--- a/AppointmentReport/MyMed-Defense.pptx
+++ b/AppointmentReport/MyMed-Defense.pptx
@@ -5,7 +5,7 @@
     <p:sldMasterId id="2147483709" r:id="rId1"/>
   </p:sldMasterIdLst>
   <p:notesMasterIdLst>
-    <p:notesMasterId r:id="rId14"/>
+    <p:notesMasterId r:id="rId13"/>
   </p:notesMasterIdLst>
   <p:sldIdLst>
     <p:sldId id="256" r:id="rId2"/>
@@ -18,48 +18,47 @@
     <p:sldId id="324" r:id="rId9"/>
     <p:sldId id="319" r:id="rId10"/>
     <p:sldId id="280" r:id="rId11"/>
-    <p:sldId id="320" r:id="rId12"/>
-    <p:sldId id="323" r:id="rId13"/>
+    <p:sldId id="323" r:id="rId12"/>
   </p:sldIdLst>
   <p:sldSz cx="9144000" cy="5143500" type="screen16x9"/>
   <p:notesSz cx="6858000" cy="9144000"/>
   <p:embeddedFontLst>
     <p:embeddedFont>
-      <p:font typeface="Bebas Neue" panose="020B0604020202020204" charset="0"/>
-      <p:regular r:id="rId15"/>
+      <p:font typeface="Calibri" panose="020F0502020204030204" pitchFamily="34" charset="0"/>
+      <p:regular r:id="rId14"/>
+      <p:bold r:id="rId15"/>
+      <p:italic r:id="rId16"/>
+      <p:boldItalic r:id="rId17"/>
     </p:embeddedFont>
     <p:embeddedFont>
       <p:font typeface="Overpass Light" panose="020B0604020202020204" charset="0"/>
-      <p:regular r:id="rId16"/>
-      <p:bold r:id="rId17"/>
-      <p:italic r:id="rId18"/>
-      <p:boldItalic r:id="rId19"/>
+      <p:regular r:id="rId18"/>
+      <p:bold r:id="rId19"/>
+      <p:italic r:id="rId20"/>
+      <p:boldItalic r:id="rId21"/>
     </p:embeddedFont>
     <p:embeddedFont>
-      <p:font typeface="Calibri" panose="020F0502020204030204" pitchFamily="34" charset="0"/>
-      <p:regular r:id="rId20"/>
-      <p:bold r:id="rId21"/>
-      <p:italic r:id="rId22"/>
-      <p:boldItalic r:id="rId23"/>
+      <p:font typeface="Roboto Slab Light" panose="020B0604020202020204" charset="0"/>
+      <p:regular r:id="rId22"/>
+      <p:bold r:id="rId23"/>
     </p:embeddedFont>
     <p:embeddedFont>
-      <p:font typeface="Fira Sans Extra Condensed Medium" panose="020B0604020202020204" charset="0"/>
+      <p:font typeface="Overpass" panose="020B0604020202020204" charset="0"/>
       <p:regular r:id="rId24"/>
       <p:bold r:id="rId25"/>
       <p:italic r:id="rId26"/>
       <p:boldItalic r:id="rId27"/>
     </p:embeddedFont>
     <p:embeddedFont>
-      <p:font typeface="Roboto Slab Light" panose="020B0604020202020204" charset="0"/>
+      <p:font typeface="Bebas Neue" panose="020B0604020202020204" charset="0"/>
       <p:regular r:id="rId28"/>
-      <p:bold r:id="rId29"/>
     </p:embeddedFont>
     <p:embeddedFont>
-      <p:font typeface="Overpass" panose="020B0604020202020204" charset="0"/>
-      <p:regular r:id="rId30"/>
-      <p:bold r:id="rId31"/>
-      <p:italic r:id="rId32"/>
-      <p:boldItalic r:id="rId33"/>
+      <p:font typeface="Fira Sans Extra Condensed Medium" panose="020B0604020202020204" charset="0"/>
+      <p:regular r:id="rId29"/>
+      <p:bold r:id="rId30"/>
+      <p:italic r:id="rId31"/>
+      <p:boldItalic r:id="rId32"/>
     </p:embeddedFont>
   </p:embeddedFontLst>
   <p:defaultTextStyle>
@@ -964,115 +963,6 @@
 </file>
 
 <file path=ppt/notesSlides/notesSlide11.xml><?xml version="1.0" encoding="utf-8"?>
-<p:notes xmlns:a="http://schemas.openxmlformats.org/drawingml/2006/main" xmlns:r="http://schemas.openxmlformats.org/officeDocument/2006/relationships" xmlns:p="http://schemas.openxmlformats.org/presentationml/2006/main" showMasterSp="0" showMasterPhAnim="0">
-  <p:cSld>
-    <p:spTree>
-      <p:nvGrpSpPr>
-        <p:cNvPr id="1" name="Shape 986"/>
-        <p:cNvGrpSpPr/>
-        <p:nvPr/>
-      </p:nvGrpSpPr>
-      <p:grpSpPr>
-        <a:xfrm>
-          <a:off x="0" y="0"/>
-          <a:ext cx="0" cy="0"/>
-          <a:chOff x="0" y="0"/>
-          <a:chExt cx="0" cy="0"/>
-        </a:xfrm>
-      </p:grpSpPr>
-      <p:sp>
-        <p:nvSpPr>
-          <p:cNvPr id="987" name="Google Shape;987;gb47398cd52_0_48:notes"/>
-          <p:cNvSpPr>
-            <a:spLocks noGrp="1" noRot="1" noChangeAspect="1"/>
-          </p:cNvSpPr>
-          <p:nvPr>
-            <p:ph type="sldImg" idx="2"/>
-          </p:nvPr>
-        </p:nvSpPr>
-        <p:spPr>
-          <a:xfrm>
-            <a:off x="381000" y="685800"/>
-            <a:ext cx="6096000" cy="3429000"/>
-          </a:xfrm>
-          <a:custGeom>
-            <a:avLst/>
-            <a:gdLst/>
-            <a:ahLst/>
-            <a:cxnLst/>
-            <a:rect l="l" t="t" r="r" b="b"/>
-            <a:pathLst>
-              <a:path w="120000" h="120000" extrusionOk="0">
-                <a:moveTo>
-                  <a:pt x="0" y="0"/>
-                </a:moveTo>
-                <a:lnTo>
-                  <a:pt x="120000" y="0"/>
-                </a:lnTo>
-                <a:lnTo>
-                  <a:pt x="120000" y="120000"/>
-                </a:lnTo>
-                <a:lnTo>
-                  <a:pt x="0" y="120000"/>
-                </a:lnTo>
-                <a:close/>
-              </a:path>
-            </a:pathLst>
-          </a:custGeom>
-        </p:spPr>
-      </p:sp>
-      <p:sp>
-        <p:nvSpPr>
-          <p:cNvPr id="988" name="Google Shape;988;gb47398cd52_0_48:notes"/>
-          <p:cNvSpPr txBox="1">
-            <a:spLocks noGrp="1"/>
-          </p:cNvSpPr>
-          <p:nvPr>
-            <p:ph type="body" idx="1"/>
-          </p:nvPr>
-        </p:nvSpPr>
-        <p:spPr>
-          <a:xfrm>
-            <a:off x="685800" y="4343400"/>
-            <a:ext cx="5486400" cy="4114800"/>
-          </a:xfrm>
-          <a:prstGeom prst="rect">
-            <a:avLst/>
-          </a:prstGeom>
-        </p:spPr>
-        <p:txBody>
-          <a:bodyPr spcFirstLastPara="1" wrap="square" lIns="91425" tIns="91425" rIns="91425" bIns="91425" anchor="t" anchorCtr="0">
-            <a:noAutofit/>
-          </a:bodyPr>
-          <a:lstStyle/>
-          <a:p>
-            <a:pPr marL="0" lvl="0" indent="0" algn="l" rtl="0">
-              <a:spcBef>
-                <a:spcPts val="0"/>
-              </a:spcBef>
-              <a:spcAft>
-                <a:spcPts val="0"/>
-              </a:spcAft>
-              <a:buNone/>
-            </a:pPr>
-            <a:endParaRPr/>
-          </a:p>
-        </p:txBody>
-      </p:sp>
-    </p:spTree>
-    <p:extLst>
-      <p:ext uri="{BB962C8B-B14F-4D97-AF65-F5344CB8AC3E}">
-        <p14:creationId xmlns:p14="http://schemas.microsoft.com/office/powerpoint/2010/main" val="3182851396"/>
-      </p:ext>
-    </p:extLst>
-  </p:cSld>
-  <p:clrMapOvr>
-    <a:masterClrMapping/>
-  </p:clrMapOvr>
-</p:notes>
-</file>
-
-<file path=ppt/notesSlides/notesSlide12.xml><?xml version="1.0" encoding="utf-8"?>
 <p:notes xmlns:a="http://schemas.openxmlformats.org/drawingml/2006/main" xmlns:r="http://schemas.openxmlformats.org/officeDocument/2006/relationships" xmlns:p="http://schemas.openxmlformats.org/presentationml/2006/main" showMasterSp="0" showMasterPhAnim="0">
   <p:cSld>
     <p:spTree>
@@ -6364,9 +6254,30 @@
               <a:buNone/>
             </a:pPr>
             <a:r>
-              <a:rPr lang="en" dirty="0"/>
-              <a:t>Presented By:</a:t>
+              <a:rPr lang="en" sz="3200" dirty="0">
+                <a:latin typeface="Times New Roman" panose="02020603050405020304" pitchFamily="18" charset="0"/>
+                <a:cs typeface="Times New Roman" panose="02020603050405020304" pitchFamily="18" charset="0"/>
+              </a:rPr>
+              <a:t>Presented </a:t>
             </a:r>
+            <a:r>
+              <a:rPr lang="en" sz="3200" dirty="0" smtClean="0">
+                <a:latin typeface="Times New Roman" panose="02020603050405020304" pitchFamily="18" charset="0"/>
+                <a:cs typeface="Times New Roman" panose="02020603050405020304" pitchFamily="18" charset="0"/>
+              </a:rPr>
+              <a:t>By</a:t>
+            </a:r>
+            <a:r>
+              <a:rPr lang="en" sz="3200" dirty="0">
+                <a:latin typeface="Times New Roman" panose="02020603050405020304" pitchFamily="18" charset="0"/>
+                <a:cs typeface="Times New Roman" panose="02020603050405020304" pitchFamily="18" charset="0"/>
+              </a:rPr>
+              <a:t>:</a:t>
+            </a:r>
+            <a:endParaRPr lang="en" sz="3200" dirty="0">
+              <a:latin typeface="Times New Roman" panose="02020603050405020304" pitchFamily="18" charset="0"/>
+              <a:cs typeface="Times New Roman" panose="02020603050405020304" pitchFamily="18" charset="0"/>
+            </a:endParaRPr>
           </a:p>
           <a:p>
             <a:pPr marL="0" lvl="0" indent="0" algn="ctr" rtl="0">
@@ -6379,55 +6290,23 @@
               <a:buNone/>
             </a:pPr>
             <a:r>
-              <a:rPr lang="en" dirty="0"/>
-              <a:t>Arpan Pokhrel</a:t>
+              <a:rPr lang="en" sz="3200" dirty="0">
+                <a:latin typeface="Times New Roman" panose="02020603050405020304" pitchFamily="18" charset="0"/>
+                <a:cs typeface="Times New Roman" panose="02020603050405020304" pitchFamily="18" charset="0"/>
+              </a:rPr>
+              <a:t>Navina </a:t>
             </a:r>
-          </a:p>
-          <a:p>
-            <a:pPr marL="0" lvl="0" indent="0" algn="ctr" rtl="0">
-              <a:spcBef>
-                <a:spcPts val="0"/>
-              </a:spcBef>
-              <a:spcAft>
-                <a:spcPts val="0"/>
-              </a:spcAft>
-              <a:buNone/>
-            </a:pPr>
             <a:r>
-              <a:rPr lang="en" dirty="0"/>
-              <a:t>Navina Budhathoki</a:t>
+              <a:rPr lang="en" sz="3200" dirty="0" smtClean="0">
+                <a:latin typeface="Times New Roman" panose="02020603050405020304" pitchFamily="18" charset="0"/>
+                <a:cs typeface="Times New Roman" panose="02020603050405020304" pitchFamily="18" charset="0"/>
+              </a:rPr>
+              <a:t>Budhathoki</a:t>
             </a:r>
-          </a:p>
-          <a:p>
-            <a:pPr marL="0" lvl="0" indent="0" algn="ctr" rtl="0">
-              <a:spcBef>
-                <a:spcPts val="0"/>
-              </a:spcBef>
-              <a:spcAft>
-                <a:spcPts val="0"/>
-              </a:spcAft>
-              <a:buNone/>
-            </a:pPr>
-            <a:r>
-              <a:rPr lang="en" dirty="0"/>
-              <a:t>Suman Devkota</a:t>
-            </a:r>
-          </a:p>
-          <a:p>
-            <a:pPr marL="0" lvl="0" indent="0" algn="ctr" rtl="0">
-              <a:spcBef>
-                <a:spcPts val="0"/>
-              </a:spcBef>
-              <a:spcAft>
-                <a:spcPts val="0"/>
-              </a:spcAft>
-              <a:buNone/>
-            </a:pPr>
-            <a:r>
-              <a:rPr lang="en" dirty="0"/>
-              <a:t>Anish Thapa</a:t>
-            </a:r>
-            <a:endParaRPr dirty="0"/>
+            <a:endParaRPr lang="en" sz="3200" dirty="0">
+              <a:latin typeface="Times New Roman" panose="02020603050405020304" pitchFamily="18" charset="0"/>
+              <a:cs typeface="Times New Roman" panose="02020603050405020304" pitchFamily="18" charset="0"/>
+            </a:endParaRPr>
           </a:p>
         </p:txBody>
       </p:sp>
@@ -6466,12 +6345,24 @@
               <a:buNone/>
             </a:pPr>
             <a:r>
-              <a:rPr lang="en" dirty="0">
+              <a:rPr lang="en" dirty="0" smtClean="0">
                 <a:solidFill>
                   <a:schemeClr val="dk1"/>
                 </a:solidFill>
               </a:rPr>
-              <a:t>“MyMED”</a:t>
+              <a:t>“</a:t>
+            </a:r>
+            <a:r>
+              <a:rPr lang="en" dirty="0" smtClean="0"/>
+              <a:t>WSDL</a:t>
+            </a:r>
+            <a:r>
+              <a:rPr lang="en" dirty="0" smtClean="0">
+                <a:solidFill>
+                  <a:schemeClr val="dk1"/>
+                </a:solidFill>
+              </a:rPr>
+              <a:t>”</a:t>
             </a:r>
             <a:endParaRPr dirty="0">
               <a:solidFill>
@@ -6600,440 +6491,42 @@
           <a:chExt cx="0" cy="0"/>
         </a:xfrm>
       </p:grpSpPr>
-      <p:sp>
-        <p:nvSpPr>
-          <p:cNvPr id="991" name="Google Shape;991;p88"/>
-          <p:cNvSpPr txBox="1">
-            <a:spLocks noGrp="1"/>
-          </p:cNvSpPr>
-          <p:nvPr>
-            <p:ph type="title"/>
-          </p:nvPr>
-        </p:nvSpPr>
+      <p:pic>
+        <p:nvPicPr>
+          <p:cNvPr id="5" name="Picture 4"/>
+          <p:cNvPicPr>
+            <a:picLocks noChangeAspect="1"/>
+          </p:cNvPicPr>
+          <p:nvPr/>
+        </p:nvPicPr>
+        <p:blipFill>
+          <a:blip r:embed="rId3">
+            <a:extLst>
+              <a:ext uri="{28A0092B-C50C-407E-A947-70E740481C1C}">
+                <a14:useLocalDpi xmlns:a14="http://schemas.microsoft.com/office/drawing/2010/main" val="0"/>
+              </a:ext>
+            </a:extLst>
+          </a:blip>
+          <a:stretch>
+            <a:fillRect/>
+          </a:stretch>
+        </p:blipFill>
         <p:spPr>
           <a:xfrm>
-            <a:off x="791028" y="318644"/>
-            <a:ext cx="3773096" cy="1086679"/>
+            <a:off x="270164" y="2812473"/>
+            <a:ext cx="8686799" cy="1744152"/>
           </a:xfrm>
           <a:prstGeom prst="rect">
             <a:avLst/>
           </a:prstGeom>
         </p:spPr>
-        <p:txBody>
-          <a:bodyPr spcFirstLastPara="1" wrap="square" lIns="91425" tIns="91425" rIns="91425" bIns="91425" anchor="ctr" anchorCtr="0">
-            <a:noAutofit/>
-          </a:bodyPr>
-          <a:lstStyle/>
-          <a:p>
-            <a:pPr marL="0" lvl="0" indent="0" algn="l" rtl="0">
-              <a:spcBef>
-                <a:spcPts val="0"/>
-              </a:spcBef>
-              <a:spcAft>
-                <a:spcPts val="0"/>
-              </a:spcAft>
-              <a:buNone/>
-            </a:pPr>
-            <a:r>
-              <a:rPr lang="en" sz="3600" dirty="0">
-                <a:solidFill>
-                  <a:schemeClr val="tx1"/>
-                </a:solidFill>
-                <a:latin typeface="Times New Roman" panose="02020603050405020304" pitchFamily="18" charset="0"/>
-                <a:cs typeface="Times New Roman" panose="02020603050405020304" pitchFamily="18" charset="0"/>
-              </a:rPr>
-              <a:t>Deliveriables</a:t>
-            </a:r>
-            <a:endParaRPr sz="3600" dirty="0">
-              <a:solidFill>
-                <a:schemeClr val="tx1"/>
-              </a:solidFill>
-              <a:latin typeface="Times New Roman" panose="02020603050405020304" pitchFamily="18" charset="0"/>
-              <a:cs typeface="Times New Roman" panose="02020603050405020304" pitchFamily="18" charset="0"/>
-            </a:endParaRPr>
-          </a:p>
-        </p:txBody>
-      </p:sp>
-      <p:cxnSp>
-        <p:nvCxnSpPr>
-          <p:cNvPr id="993" name="Google Shape;993;p88"/>
-          <p:cNvCxnSpPr>
-            <a:cxnSpLocks/>
-          </p:cNvCxnSpPr>
-          <p:nvPr/>
-        </p:nvCxnSpPr>
-        <p:spPr>
-          <a:xfrm>
-            <a:off x="103075" y="3185250"/>
-            <a:ext cx="0" cy="1860000"/>
-          </a:xfrm>
-          <a:prstGeom prst="straightConnector1">
-            <a:avLst/>
-          </a:prstGeom>
-          <a:noFill/>
-          <a:ln w="19050" cap="flat" cmpd="sng">
-            <a:solidFill>
-              <a:schemeClr val="dk2"/>
-            </a:solidFill>
-            <a:prstDash val="solid"/>
-            <a:round/>
-            <a:headEnd type="none" w="med" len="med"/>
-            <a:tailEnd type="none" w="med" len="med"/>
-          </a:ln>
-        </p:spPr>
-      </p:cxnSp>
-      <p:cxnSp>
-        <p:nvCxnSpPr>
-          <p:cNvPr id="994" name="Google Shape;994;p88"/>
-          <p:cNvCxnSpPr>
-            <a:cxnSpLocks/>
-          </p:cNvCxnSpPr>
-          <p:nvPr/>
-        </p:nvCxnSpPr>
-        <p:spPr>
-          <a:xfrm>
-            <a:off x="9035500" y="3185250"/>
-            <a:ext cx="0" cy="1860000"/>
-          </a:xfrm>
-          <a:prstGeom prst="straightConnector1">
-            <a:avLst/>
-          </a:prstGeom>
-          <a:noFill/>
-          <a:ln w="19050" cap="flat" cmpd="sng">
-            <a:solidFill>
-              <a:schemeClr val="dk2"/>
-            </a:solidFill>
-            <a:prstDash val="solid"/>
-            <a:round/>
-            <a:headEnd type="none" w="med" len="med"/>
-            <a:tailEnd type="none" w="med" len="med"/>
-          </a:ln>
-        </p:spPr>
-      </p:cxnSp>
-      <p:cxnSp>
-        <p:nvCxnSpPr>
-          <p:cNvPr id="995" name="Google Shape;995;p88"/>
-          <p:cNvCxnSpPr>
-            <a:cxnSpLocks/>
-          </p:cNvCxnSpPr>
-          <p:nvPr/>
-        </p:nvCxnSpPr>
-        <p:spPr>
-          <a:xfrm>
-            <a:off x="9040400" y="5040442"/>
-            <a:ext cx="3597946" cy="0"/>
-          </a:xfrm>
-          <a:prstGeom prst="straightConnector1">
-            <a:avLst/>
-          </a:prstGeom>
-          <a:noFill/>
-          <a:ln w="19050" cap="flat" cmpd="sng">
-            <a:solidFill>
-              <a:schemeClr val="dk2"/>
-            </a:solidFill>
-            <a:prstDash val="solid"/>
-            <a:round/>
-            <a:headEnd type="none" w="med" len="med"/>
-            <a:tailEnd type="none" w="med" len="med"/>
-          </a:ln>
-        </p:spPr>
-      </p:cxnSp>
+      </p:pic>
       <p:sp>
         <p:nvSpPr>
-          <p:cNvPr id="2" name="TextBox 1">
+          <p:cNvPr id="10" name="TextBox 9">
             <a:extLst>
               <a:ext uri="{FF2B5EF4-FFF2-40B4-BE49-F238E27FC236}">
-                <a16:creationId xmlns="" xmlns:a16="http://schemas.microsoft.com/office/drawing/2014/main" id="{B6067B3B-5A80-C3B8-FB2A-F90571E6E820}"/>
-              </a:ext>
-            </a:extLst>
-          </p:cNvPr>
-          <p:cNvSpPr txBox="1"/>
-          <p:nvPr/>
-        </p:nvSpPr>
-        <p:spPr>
-          <a:xfrm>
-            <a:off x="8499874" y="4549698"/>
-            <a:ext cx="308079" cy="461665"/>
-          </a:xfrm>
-          <a:prstGeom prst="rect">
-            <a:avLst/>
-          </a:prstGeom>
-          <a:noFill/>
-        </p:spPr>
-        <p:txBody>
-          <a:bodyPr wrap="square" rtlCol="0">
-            <a:spAutoFit/>
-          </a:bodyPr>
-          <a:lstStyle/>
-          <a:p>
-            <a:r>
-              <a:rPr lang="en-GB" sz="2400" b="1" dirty="0">
-                <a:solidFill>
-                  <a:schemeClr val="tx1"/>
-                </a:solidFill>
-                <a:latin typeface="Times New Roman" panose="02020603050405020304" pitchFamily="18" charset="0"/>
-                <a:cs typeface="Times New Roman" panose="02020603050405020304" pitchFamily="18" charset="0"/>
-              </a:rPr>
-              <a:t>8</a:t>
-            </a:r>
-          </a:p>
-        </p:txBody>
-      </p:sp>
-      <p:sp>
-        <p:nvSpPr>
-          <p:cNvPr id="3" name="TextBox 2"/>
-          <p:cNvSpPr txBox="1"/>
-          <p:nvPr/>
-        </p:nvSpPr>
-        <p:spPr>
-          <a:xfrm>
-            <a:off x="791028" y="1885382"/>
-            <a:ext cx="6132286" cy="2062103"/>
-          </a:xfrm>
-          <a:prstGeom prst="rect">
-            <a:avLst/>
-          </a:prstGeom>
-          <a:noFill/>
-        </p:spPr>
-        <p:txBody>
-          <a:bodyPr wrap="square" rtlCol="0">
-            <a:spAutoFit/>
-          </a:bodyPr>
-          <a:lstStyle/>
-          <a:p>
-            <a:pPr marL="285750" indent="-285750">
-              <a:buClrTx/>
-              <a:buFont typeface="Wingdings" panose="05000000000000000000" pitchFamily="2" charset="2"/>
-              <a:buChar char="v"/>
-            </a:pPr>
-            <a:r>
-              <a:rPr lang="en-GB" sz="3200" dirty="0">
-                <a:solidFill>
-                  <a:schemeClr val="tx1"/>
-                </a:solidFill>
-                <a:latin typeface="Times New Roman" panose="02020603050405020304" pitchFamily="18" charset="0"/>
-                <a:cs typeface="Times New Roman" panose="02020603050405020304" pitchFamily="18" charset="0"/>
-              </a:rPr>
-              <a:t>Easy to use interface.</a:t>
-            </a:r>
-          </a:p>
-          <a:p>
-            <a:pPr marL="285750" indent="-285750">
-              <a:buClrTx/>
-              <a:buFont typeface="Wingdings" panose="05000000000000000000" pitchFamily="2" charset="2"/>
-              <a:buChar char="v"/>
-            </a:pPr>
-            <a:r>
-              <a:rPr lang="en-GB" sz="3200" dirty="0">
-                <a:solidFill>
-                  <a:schemeClr val="tx1"/>
-                </a:solidFill>
-                <a:latin typeface="Times New Roman" panose="02020603050405020304" pitchFamily="18" charset="0"/>
-                <a:cs typeface="Times New Roman" panose="02020603050405020304" pitchFamily="18" charset="0"/>
-              </a:rPr>
-              <a:t>Creating a dashboard.</a:t>
-            </a:r>
-          </a:p>
-          <a:p>
-            <a:pPr marL="285750" indent="-285750">
-              <a:buClrTx/>
-              <a:buFont typeface="Wingdings" panose="05000000000000000000" pitchFamily="2" charset="2"/>
-              <a:buChar char="v"/>
-            </a:pPr>
-            <a:r>
-              <a:rPr lang="en-GB" sz="3200" dirty="0">
-                <a:solidFill>
-                  <a:schemeClr val="tx1"/>
-                </a:solidFill>
-                <a:latin typeface="Times New Roman" panose="02020603050405020304" pitchFamily="18" charset="0"/>
-                <a:cs typeface="Times New Roman" panose="02020603050405020304" pitchFamily="18" charset="0"/>
-              </a:rPr>
-              <a:t>Software security.</a:t>
-            </a:r>
-          </a:p>
-          <a:p>
-            <a:endParaRPr lang="en-GB" sz="3200" dirty="0"/>
-          </a:p>
-        </p:txBody>
-      </p:sp>
-    </p:spTree>
-  </p:cSld>
-  <p:clrMapOvr>
-    <a:masterClrMapping/>
-  </p:clrMapOvr>
-  <p:timing>
-    <p:tnLst>
-      <p:par>
-        <p:cTn id="1" dur="indefinite" restart="never" nodeType="tmRoot"/>
-      </p:par>
-    </p:tnLst>
-  </p:timing>
-</p:sld>
-</file>
-
-<file path=ppt/slides/slide11.xml><?xml version="1.0" encoding="utf-8"?>
-<p:sld xmlns:a="http://schemas.openxmlformats.org/drawingml/2006/main" xmlns:r="http://schemas.openxmlformats.org/officeDocument/2006/relationships" xmlns:p="http://schemas.openxmlformats.org/presentationml/2006/main">
-  <p:cSld>
-    <p:bg>
-      <p:bgPr>
-        <a:solidFill>
-          <a:schemeClr val="bg1"/>
-        </a:solidFill>
-        <a:effectLst/>
-      </p:bgPr>
-    </p:bg>
-    <p:spTree>
-      <p:nvGrpSpPr>
-        <p:cNvPr id="1" name="Shape 989"/>
-        <p:cNvGrpSpPr/>
-        <p:nvPr/>
-      </p:nvGrpSpPr>
-      <p:grpSpPr>
-        <a:xfrm>
-          <a:off x="0" y="0"/>
-          <a:ext cx="0" cy="0"/>
-          <a:chOff x="0" y="0"/>
-          <a:chExt cx="0" cy="0"/>
-        </a:xfrm>
-      </p:grpSpPr>
-      <p:sp>
-        <p:nvSpPr>
-          <p:cNvPr id="991" name="Google Shape;991;p88"/>
-          <p:cNvSpPr txBox="1">
-            <a:spLocks noGrp="1"/>
-          </p:cNvSpPr>
-          <p:nvPr>
-            <p:ph type="title"/>
-          </p:nvPr>
-        </p:nvSpPr>
-        <p:spPr>
-          <a:xfrm>
-            <a:off x="638883" y="318644"/>
-            <a:ext cx="3397857" cy="1086679"/>
-          </a:xfrm>
-          <a:prstGeom prst="rect">
-            <a:avLst/>
-          </a:prstGeom>
-        </p:spPr>
-        <p:txBody>
-          <a:bodyPr spcFirstLastPara="1" wrap="square" lIns="91425" tIns="91425" rIns="91425" bIns="91425" anchor="ctr" anchorCtr="0">
-            <a:noAutofit/>
-          </a:bodyPr>
-          <a:lstStyle/>
-          <a:p>
-            <a:pPr marL="0" lvl="0" indent="0" algn="l" rtl="0">
-              <a:spcBef>
-                <a:spcPts val="0"/>
-              </a:spcBef>
-              <a:spcAft>
-                <a:spcPts val="0"/>
-              </a:spcAft>
-              <a:buNone/>
-            </a:pPr>
-            <a:r>
-              <a:rPr lang="en" sz="3200" dirty="0">
-                <a:solidFill>
-                  <a:schemeClr val="tx1"/>
-                </a:solidFill>
-                <a:latin typeface="Times New Roman" panose="02020603050405020304" pitchFamily="18" charset="0"/>
-                <a:cs typeface="Times New Roman" panose="02020603050405020304" pitchFamily="18" charset="0"/>
-              </a:rPr>
-              <a:t>Conclusion</a:t>
-            </a:r>
-            <a:endParaRPr sz="3200" dirty="0">
-              <a:solidFill>
-                <a:schemeClr val="tx1"/>
-              </a:solidFill>
-              <a:latin typeface="Times New Roman" panose="02020603050405020304" pitchFamily="18" charset="0"/>
-              <a:cs typeface="Times New Roman" panose="02020603050405020304" pitchFamily="18" charset="0"/>
-            </a:endParaRPr>
-          </a:p>
-        </p:txBody>
-      </p:sp>
-      <p:cxnSp>
-        <p:nvCxnSpPr>
-          <p:cNvPr id="993" name="Google Shape;993;p88"/>
-          <p:cNvCxnSpPr/>
-          <p:nvPr/>
-        </p:nvCxnSpPr>
-        <p:spPr>
-          <a:xfrm>
-            <a:off x="103075" y="3185250"/>
-            <a:ext cx="0" cy="1860000"/>
-          </a:xfrm>
-          <a:prstGeom prst="straightConnector1">
-            <a:avLst/>
-          </a:prstGeom>
-          <a:noFill/>
-          <a:ln w="19050" cap="flat" cmpd="sng">
-            <a:solidFill>
-              <a:schemeClr val="dk2"/>
-            </a:solidFill>
-            <a:prstDash val="solid"/>
-            <a:round/>
-            <a:headEnd type="none" w="med" len="med"/>
-            <a:tailEnd type="none" w="med" len="med"/>
-          </a:ln>
-        </p:spPr>
-      </p:cxnSp>
-      <p:cxnSp>
-        <p:nvCxnSpPr>
-          <p:cNvPr id="994" name="Google Shape;994;p88"/>
-          <p:cNvCxnSpPr/>
-          <p:nvPr/>
-        </p:nvCxnSpPr>
-        <p:spPr>
-          <a:xfrm>
-            <a:off x="9035500" y="3185250"/>
-            <a:ext cx="0" cy="1860000"/>
-          </a:xfrm>
-          <a:prstGeom prst="straightConnector1">
-            <a:avLst/>
-          </a:prstGeom>
-          <a:noFill/>
-          <a:ln w="19050" cap="flat" cmpd="sng">
-            <a:solidFill>
-              <a:schemeClr val="dk2"/>
-            </a:solidFill>
-            <a:prstDash val="solid"/>
-            <a:round/>
-            <a:headEnd type="none" w="med" len="med"/>
-            <a:tailEnd type="none" w="med" len="med"/>
-          </a:ln>
-        </p:spPr>
-      </p:cxnSp>
-      <p:cxnSp>
-        <p:nvCxnSpPr>
-          <p:cNvPr id="995" name="Google Shape;995;p88"/>
-          <p:cNvCxnSpPr/>
-          <p:nvPr/>
-        </p:nvCxnSpPr>
-        <p:spPr>
-          <a:xfrm rot="10800000">
-            <a:off x="98000" y="5040442"/>
-            <a:ext cx="8942400" cy="0"/>
-          </a:xfrm>
-          <a:prstGeom prst="straightConnector1">
-            <a:avLst/>
-          </a:prstGeom>
-          <a:noFill/>
-          <a:ln w="19050" cap="flat" cmpd="sng">
-            <a:solidFill>
-              <a:schemeClr val="dk2"/>
-            </a:solidFill>
-            <a:prstDash val="solid"/>
-            <a:round/>
-            <a:headEnd type="none" w="med" len="med"/>
-            <a:tailEnd type="none" w="med" len="med"/>
-          </a:ln>
-        </p:spPr>
-      </p:cxnSp>
-      <p:sp>
-        <p:nvSpPr>
-          <p:cNvPr id="2" name="TextBox 1">
-            <a:extLst>
-              <a:ext uri="{FF2B5EF4-FFF2-40B4-BE49-F238E27FC236}">
-                <a16:creationId xmlns="" xmlns:a16="http://schemas.microsoft.com/office/drawing/2014/main" id="{72D6B566-9948-D5A1-96CB-07FF7C515F9E}"/>
+                <a16:creationId xmlns="" xmlns:a16="http://schemas.microsoft.com/office/drawing/2014/main" id="{D9011143-ADED-01A1-B016-E910633735A1}"/>
               </a:ext>
             </a:extLst>
           </p:cNvPr>
@@ -7057,26 +6550,23 @@
           <a:lstStyle/>
           <a:p>
             <a:r>
-              <a:rPr lang="en-GB" sz="2400" b="1" dirty="0">
-                <a:solidFill>
-                  <a:schemeClr val="tx1"/>
-                </a:solidFill>
-              </a:rPr>
+              <a:rPr lang="en-GB" sz="2400" b="1" dirty="0"/>
               <a:t>9</a:t>
             </a:r>
+            <a:endParaRPr lang="en-GB" sz="2400" b="1" dirty="0"/>
           </a:p>
         </p:txBody>
       </p:sp>
       <p:sp>
         <p:nvSpPr>
-          <p:cNvPr id="3" name="TextBox 2"/>
+          <p:cNvPr id="6" name="TextBox 5"/>
           <p:cNvSpPr txBox="1"/>
           <p:nvPr/>
         </p:nvSpPr>
         <p:spPr>
           <a:xfrm>
-            <a:off x="841829" y="1405323"/>
-            <a:ext cx="6633028" cy="3447098"/>
+            <a:off x="129084" y="48491"/>
+            <a:ext cx="8672945" cy="2246769"/>
           </a:xfrm>
           <a:prstGeom prst="rect">
             <a:avLst/>
@@ -7089,102 +6579,84 @@
           </a:bodyPr>
           <a:lstStyle/>
           <a:p>
-            <a:pPr marL="285750" indent="-285750">
-              <a:buClr>
-                <a:schemeClr val="tx1"/>
-              </a:buClr>
-              <a:buFont typeface="Wingdings" panose="05000000000000000000" pitchFamily="2" charset="2"/>
-              <a:buChar char="v"/>
-            </a:pPr>
             <a:r>
-              <a:rPr lang="en-GB" sz="2400" dirty="0">
-                <a:solidFill>
-                  <a:schemeClr val="tx1"/>
-                </a:solidFill>
-                <a:latin typeface="Times New Roman" panose="02020603050405020304" pitchFamily="18" charset="0"/>
-                <a:cs typeface="Times New Roman" panose="02020603050405020304" pitchFamily="18" charset="0"/>
-              </a:rPr>
-              <a:t>My Med will be invaluable, as it not only reduces the amount of manual labour required but also increases accuracy and organization.</a:t>
+              <a:rPr lang="en-GB" dirty="0" smtClean="0"/>
+              <a:t>The binding element has two attributes: name, type.</a:t>
             </a:r>
           </a:p>
           <a:p>
-            <a:pPr marL="285750" indent="-285750">
-              <a:buClr>
-                <a:schemeClr val="tx1"/>
-              </a:buClr>
-              <a:buFont typeface="Wingdings" panose="05000000000000000000" pitchFamily="2" charset="2"/>
-              <a:buChar char="v"/>
-            </a:pPr>
             <a:r>
-              <a:rPr lang="en-GB" sz="2400" dirty="0">
-                <a:solidFill>
-                  <a:schemeClr val="tx1"/>
-                </a:solidFill>
-                <a:latin typeface="Times New Roman" panose="02020603050405020304" pitchFamily="18" charset="0"/>
-                <a:cs typeface="Times New Roman" panose="02020603050405020304" pitchFamily="18" charset="0"/>
-              </a:rPr>
-              <a:t>It will ensure that the software is secure and maintains patient confidentiality.</a:t>
+              <a:rPr lang="en-GB" dirty="0" smtClean="0"/>
+              <a:t>Name- Defines the name of binding</a:t>
             </a:r>
           </a:p>
           <a:p>
-            <a:pPr marL="285750" indent="-285750">
-              <a:buClr>
-                <a:schemeClr val="tx1"/>
-              </a:buClr>
-              <a:buFont typeface="Wingdings" panose="05000000000000000000" pitchFamily="2" charset="2"/>
-              <a:buChar char="v"/>
-            </a:pPr>
             <a:r>
-              <a:rPr lang="en-GB" sz="2400" dirty="0">
-                <a:solidFill>
-                  <a:schemeClr val="tx1"/>
-                </a:solidFill>
-                <a:latin typeface="Times New Roman" panose="02020603050405020304" pitchFamily="18" charset="0"/>
-                <a:ea typeface="Calibri" panose="020F0502020204030204" pitchFamily="34" charset="0"/>
-                <a:cs typeface="Times New Roman" panose="02020603050405020304" pitchFamily="18" charset="0"/>
-              </a:rPr>
-              <a:t>My Med is the answer to the increasing demands of the healthcare industry, ensuring that no patient’s record is lost, misplaced of forgotten. </a:t>
+              <a:rPr lang="en-GB" dirty="0" smtClean="0"/>
+              <a:t>Type- Points to the port for the binding.</a:t>
             </a:r>
-            <a:endParaRPr lang="en-GB" sz="2400" dirty="0">
-              <a:solidFill>
-                <a:schemeClr val="tx1"/>
-              </a:solidFill>
-              <a:latin typeface="Times New Roman" panose="02020603050405020304" pitchFamily="18" charset="0"/>
-              <a:cs typeface="Times New Roman" panose="02020603050405020304" pitchFamily="18" charset="0"/>
-            </a:endParaRPr>
           </a:p>
           <a:p>
-            <a:pPr marL="171450" indent="-171450">
-              <a:buClr>
-                <a:schemeClr val="tx1"/>
-              </a:buClr>
-              <a:buFont typeface="Wingdings" panose="05000000000000000000" pitchFamily="2" charset="2"/>
-              <a:buChar char="v"/>
-            </a:pPr>
-            <a:endParaRPr lang="en-GB" sz="1200" dirty="0">
-              <a:solidFill>
-                <a:schemeClr val="tx1"/>
-              </a:solidFill>
-            </a:endParaRPr>
+            <a:endParaRPr lang="en-GB" dirty="0"/>
           </a:p>
           <a:p>
-            <a:pPr marL="285750" indent="-285750">
-              <a:buClr>
-                <a:schemeClr val="tx1"/>
-              </a:buClr>
-              <a:buFont typeface="Wingdings" panose="05000000000000000000" pitchFamily="2" charset="2"/>
-              <a:buChar char="v"/>
-            </a:pPr>
+            <a:r>
+              <a:rPr lang="en-GB" dirty="0" smtClean="0"/>
+              <a:t>In this case </a:t>
+            </a:r>
+            <a:r>
+              <a:rPr lang="en-GB" dirty="0" err="1" smtClean="0"/>
+              <a:t>soap:binding</a:t>
+            </a:r>
+            <a:r>
+              <a:rPr lang="en-GB" dirty="0" smtClean="0"/>
+              <a:t> element has two attributes :style and transport. Style attribute can be RPB or document.</a:t>
+            </a:r>
+          </a:p>
+          <a:p>
+            <a:r>
+              <a:rPr lang="en-GB" dirty="0" smtClean="0"/>
+              <a:t>In this case we use document.</a:t>
+            </a:r>
+          </a:p>
+          <a:p>
+            <a:r>
+              <a:rPr lang="en-GB" dirty="0" smtClean="0"/>
+              <a:t>Transport attribute defines soap protocol to </a:t>
+            </a:r>
+            <a:r>
+              <a:rPr lang="en-GB" dirty="0" err="1" smtClean="0"/>
+              <a:t>use.The</a:t>
+            </a:r>
+            <a:r>
+              <a:rPr lang="en-GB" dirty="0" smtClean="0"/>
+              <a:t> operation element define each operation that the port type is </a:t>
+            </a:r>
+            <a:r>
+              <a:rPr lang="en-GB" dirty="0" err="1" smtClean="0"/>
+              <a:t>processing.For</a:t>
+            </a:r>
+            <a:r>
+              <a:rPr lang="en-GB" dirty="0" smtClean="0"/>
+              <a:t> each operation a corresponding soap action has been </a:t>
+            </a:r>
+            <a:r>
+              <a:rPr lang="en-GB" dirty="0" err="1" smtClean="0"/>
+              <a:t>defined.You</a:t>
+            </a:r>
+            <a:r>
+              <a:rPr lang="en-GB" dirty="0" smtClean="0"/>
+              <a:t> must also specify how the input and output are encoded. In this case we </a:t>
+            </a:r>
+            <a:r>
+              <a:rPr lang="en-GB" smtClean="0"/>
+              <a:t>use literal.</a:t>
+            </a:r>
             <a:endParaRPr lang="en-GB" dirty="0"/>
           </a:p>
         </p:txBody>
       </p:sp>
     </p:spTree>
-    <p:extLst>
-      <p:ext uri="{BB962C8B-B14F-4D97-AF65-F5344CB8AC3E}">
-        <p14:creationId xmlns:p14="http://schemas.microsoft.com/office/powerpoint/2010/main" val="2782212328"/>
-      </p:ext>
-    </p:extLst>
   </p:cSld>
   <p:clrMapOvr>
     <a:masterClrMapping/>
@@ -7199,7 +6671,7 @@
 </p:sld>
 </file>
 
-<file path=ppt/slides/slide12.xml><?xml version="1.0" encoding="utf-8"?>
+<file path=ppt/slides/slide11.xml><?xml version="1.0" encoding="utf-8"?>
 <p:sld xmlns:a="http://schemas.openxmlformats.org/drawingml/2006/main" xmlns:r="http://schemas.openxmlformats.org/officeDocument/2006/relationships" xmlns:p="http://schemas.openxmlformats.org/presentationml/2006/main">
   <p:cSld>
     <p:spTree>
@@ -7334,13 +6806,6 @@
   <p:clrMapOvr>
     <a:masterClrMapping/>
   </p:clrMapOvr>
-  <p:timing>
-    <p:tnLst>
-      <p:par>
-        <p:cTn id="1" dur="indefinite" restart="never" nodeType="tmRoot"/>
-      </p:par>
-    </p:tnLst>
-  </p:timing>
 </p:sld>
 </file>
 
@@ -7396,11 +6861,11 @@
               <a:buNone/>
             </a:pPr>
             <a:r>
-              <a:rPr lang="en" sz="3200" dirty="0">
+              <a:rPr lang="en" sz="3200" dirty="0" smtClean="0">
                 <a:latin typeface="Times New Roman" panose="02020603050405020304" pitchFamily="18" charset="0"/>
                 <a:cs typeface="Times New Roman" panose="02020603050405020304" pitchFamily="18" charset="0"/>
               </a:rPr>
-              <a:t>Introduction</a:t>
+              <a:t>What is WSDL?</a:t>
             </a:r>
             <a:endParaRPr sz="3200" dirty="0">
               <a:latin typeface="Times New Roman" panose="02020603050405020304" pitchFamily="18" charset="0"/>
@@ -7422,7 +6887,7 @@
         <p:spPr>
           <a:xfrm>
             <a:off x="621575" y="1103750"/>
-            <a:ext cx="7878300" cy="2509173"/>
+            <a:ext cx="7954866" cy="1376691"/>
           </a:xfrm>
           <a:prstGeom prst="rect">
             <a:avLst/>
@@ -7450,51 +6915,11 @@
             </a:pPr>
             <a:r>
               <a:rPr lang="en-GB" sz="2000" dirty="0" smtClean="0">
-                <a:solidFill>
-                  <a:srgbClr val="000000"/>
-                </a:solidFill>
-                <a:effectLst/>
                 <a:latin typeface="Times New Roman" panose="02020603050405020304" pitchFamily="18" charset="0"/>
                 <a:ea typeface="Calibri" panose="020F0502020204030204" pitchFamily="34" charset="0"/>
                 <a:cs typeface="Times New Roman" panose="02020603050405020304" pitchFamily="18" charset="0"/>
               </a:rPr>
-              <a:t>“</a:t>
-            </a:r>
-            <a:r>
-              <a:rPr lang="en-GB" sz="2000" dirty="0" smtClean="0">
-                <a:effectLst/>
-                <a:latin typeface="Times New Roman" panose="02020603050405020304" pitchFamily="18" charset="0"/>
-                <a:ea typeface="Calibri" panose="020F0502020204030204" pitchFamily="34" charset="0"/>
-                <a:cs typeface="Times New Roman" panose="02020603050405020304" pitchFamily="18" charset="0"/>
-              </a:rPr>
-              <a:t>MyMed</a:t>
-            </a:r>
-            <a:r>
-              <a:rPr lang="en-GB" sz="2000" dirty="0">
-                <a:effectLst/>
-                <a:latin typeface="Times New Roman" panose="02020603050405020304" pitchFamily="18" charset="0"/>
-                <a:ea typeface="Calibri" panose="020F0502020204030204" pitchFamily="34" charset="0"/>
-                <a:cs typeface="Times New Roman" panose="02020603050405020304" pitchFamily="18" charset="0"/>
-              </a:rPr>
-              <a:t>” is a </a:t>
-            </a:r>
-            <a:r>
-              <a:rPr lang="en-GB" sz="2000" dirty="0" smtClean="0">
-                <a:effectLst/>
-                <a:latin typeface="Times New Roman" panose="02020603050405020304" pitchFamily="18" charset="0"/>
-                <a:ea typeface="Calibri" panose="020F0502020204030204" pitchFamily="34" charset="0"/>
-                <a:cs typeface="Times New Roman" panose="02020603050405020304" pitchFamily="18" charset="0"/>
-              </a:rPr>
-              <a:t>platform </a:t>
-            </a:r>
-            <a:r>
-              <a:rPr lang="en-GB" sz="2000" dirty="0">
-                <a:effectLst/>
-                <a:latin typeface="Times New Roman" panose="02020603050405020304" pitchFamily="18" charset="0"/>
-                <a:ea typeface="Calibri" panose="020F0502020204030204" pitchFamily="34" charset="0"/>
-                <a:cs typeface="Times New Roman" panose="02020603050405020304" pitchFamily="18" charset="0"/>
-              </a:rPr>
-              <a:t>that provides personalized medical solutions and services to patients.</a:t>
+              <a:t>Web Services Description Language(WSDL) is an XML-based file that basically tells the client application what the service does.</a:t>
             </a:r>
           </a:p>
           <a:p>
@@ -7508,27 +6933,17 @@
               <a:buClr>
                 <a:schemeClr val="dk1"/>
               </a:buClr>
-              <a:buSzPts val="1100"/>
+              <a:buSzPct val="59000"/>
               <a:buFont typeface="Wingdings" panose="05000000000000000000" pitchFamily="2" charset="2"/>
               <a:buChar char="v"/>
             </a:pPr>
             <a:r>
               <a:rPr lang="en-GB" sz="2000" dirty="0" smtClean="0">
-                <a:effectLst/>
                 <a:latin typeface="Times New Roman" panose="02020603050405020304" pitchFamily="18" charset="0"/>
                 <a:ea typeface="Calibri" panose="020F0502020204030204" pitchFamily="34" charset="0"/>
                 <a:cs typeface="Times New Roman" panose="02020603050405020304" pitchFamily="18" charset="0"/>
               </a:rPr>
-              <a:t>With </a:t>
-            </a:r>
-            <a:r>
-              <a:rPr lang="en-GB" sz="2000" dirty="0">
-                <a:effectLst/>
-                <a:latin typeface="Times New Roman" panose="02020603050405020304" pitchFamily="18" charset="0"/>
-                <a:ea typeface="Calibri" panose="020F0502020204030204" pitchFamily="34" charset="0"/>
-                <a:cs typeface="Times New Roman" panose="02020603050405020304" pitchFamily="18" charset="0"/>
-              </a:rPr>
-              <a:t>its user-friendly interface and intuitive features, it will enable medical professionals to efficiently manage patients records, treatment plans. </a:t>
+              <a:t>WSDL is written in XML.</a:t>
             </a:r>
           </a:p>
           <a:p>
@@ -7542,27 +6957,17 @@
               <a:buClr>
                 <a:schemeClr val="dk1"/>
               </a:buClr>
-              <a:buSzPts val="1100"/>
+              <a:buSzPct val="59000"/>
               <a:buFont typeface="Wingdings" panose="05000000000000000000" pitchFamily="2" charset="2"/>
               <a:buChar char="v"/>
             </a:pPr>
             <a:r>
               <a:rPr lang="en-GB" sz="2000" dirty="0" smtClean="0">
-                <a:effectLst/>
                 <a:latin typeface="Times New Roman" panose="02020603050405020304" pitchFamily="18" charset="0"/>
                 <a:ea typeface="Calibri" panose="020F0502020204030204" pitchFamily="34" charset="0"/>
                 <a:cs typeface="Times New Roman" panose="02020603050405020304" pitchFamily="18" charset="0"/>
               </a:rPr>
-              <a:t>This </a:t>
-            </a:r>
-            <a:r>
-              <a:rPr lang="en-GB" sz="2000" dirty="0">
-                <a:effectLst/>
-                <a:latin typeface="Times New Roman" panose="02020603050405020304" pitchFamily="18" charset="0"/>
-                <a:ea typeface="Calibri" panose="020F0502020204030204" pitchFamily="34" charset="0"/>
-                <a:cs typeface="Times New Roman" panose="02020603050405020304" pitchFamily="18" charset="0"/>
-              </a:rPr>
-              <a:t>innovative software will streamline the workflow and improves patient care by ensuring accurate and up-to-date records of their medical history. It will offer a secure and reliable which is a game-changer in the healthcare industry. </a:t>
+              <a:t>It is standard format for describing a web service.</a:t>
             </a:r>
             <a:endParaRPr lang="en-GB" sz="2000" dirty="0">
               <a:latin typeface="Times New Roman" panose="02020603050405020304" pitchFamily="18" charset="0"/>
@@ -7607,6 +7012,47 @@
           </a:p>
         </p:txBody>
       </p:sp>
+      <p:pic>
+        <p:nvPicPr>
+          <p:cNvPr id="1026" name="Picture 2" descr="Web Services: SOAP, WSDL and Choreography - slide &quot;Web Service Description  Language&quot;"/>
+          <p:cNvPicPr>
+            <a:picLocks noChangeAspect="1" noChangeArrowheads="1"/>
+          </p:cNvPicPr>
+          <p:nvPr/>
+        </p:nvPicPr>
+        <p:blipFill>
+          <a:blip r:embed="rId3">
+            <a:extLst>
+              <a:ext uri="{28A0092B-C50C-407E-A947-70E740481C1C}">
+                <a14:useLocalDpi xmlns:a14="http://schemas.microsoft.com/office/drawing/2010/main" val="0"/>
+              </a:ext>
+            </a:extLst>
+          </a:blip>
+          <a:srcRect/>
+          <a:stretch>
+            <a:fillRect/>
+          </a:stretch>
+        </p:blipFill>
+        <p:spPr bwMode="auto">
+          <a:xfrm>
+            <a:off x="1952844" y="2637405"/>
+            <a:ext cx="4848225" cy="2143125"/>
+          </a:xfrm>
+          <a:prstGeom prst="rect">
+            <a:avLst/>
+          </a:prstGeom>
+          <a:noFill/>
+          <a:extLst>
+            <a:ext uri="{909E8E84-426E-40DD-AFC4-6F175D3DCCD1}">
+              <a14:hiddenFill xmlns:a14="http://schemas.microsoft.com/office/drawing/2010/main">
+                <a:solidFill>
+                  <a:srgbClr val="FFFFFF"/>
+                </a:solidFill>
+              </a14:hiddenFill>
+            </a:ext>
+          </a:extLst>
+        </p:spPr>
+      </p:pic>
     </p:spTree>
   </p:cSld>
   <p:clrMapOvr>
@@ -7624,13 +7070,6 @@
       </p:transition>
     </mc:Fallback>
   </mc:AlternateContent>
-  <p:timing>
-    <p:tnLst>
-      <p:par>
-        <p:cTn id="1" dur="indefinite" restart="never" nodeType="tmRoot"/>
-      </p:par>
-    </p:tnLst>
-  </p:timing>
 </p:sld>
 </file>
 
@@ -7694,14 +7133,14 @@
               <a:buNone/>
             </a:pPr>
             <a:r>
-              <a:rPr lang="en" sz="3200" dirty="0">
+              <a:rPr lang="en" sz="3200" dirty="0" smtClean="0">
                 <a:solidFill>
                   <a:schemeClr val="tx1"/>
                 </a:solidFill>
                 <a:latin typeface="Times New Roman" panose="02020603050405020304" pitchFamily="18" charset="0"/>
                 <a:cs typeface="Times New Roman" panose="02020603050405020304" pitchFamily="18" charset="0"/>
               </a:rPr>
-              <a:t>Problem Statement</a:t>
+              <a:t>Features of WSDL</a:t>
             </a:r>
             <a:endParaRPr sz="3200" dirty="0">
               <a:solidFill>
@@ -7725,7 +7164,7 @@
         </p:nvSpPr>
         <p:spPr>
           <a:xfrm>
-            <a:off x="252769" y="1660838"/>
+            <a:off x="252769" y="1233134"/>
             <a:ext cx="8549260" cy="3703135"/>
           </a:xfrm>
           <a:prstGeom prst="rect">
@@ -7738,39 +7177,37 @@
           </a:bodyPr>
           <a:lstStyle/>
           <a:p>
-            <a:pPr lvl="0">
-              <a:buFont typeface="Wingdings" panose="05000000000000000000" pitchFamily="2" charset="2"/>
-              <a:buChar char="v"/>
-            </a:pPr>
             <a:r>
               <a:rPr lang="en-GB" sz="2800" dirty="0" smtClean="0">
-                <a:solidFill>
-                  <a:schemeClr val="tx1"/>
-                </a:solidFill>
                 <a:latin typeface="Times New Roman" panose="02020603050405020304" pitchFamily="18" charset="0"/>
                 <a:cs typeface="Times New Roman" panose="02020603050405020304" pitchFamily="18" charset="0"/>
               </a:rPr>
-              <a:t>Patients </a:t>
+              <a:t>WSDL </a:t>
             </a:r>
             <a:r>
               <a:rPr lang="en-GB" sz="2800" dirty="0">
-                <a:solidFill>
-                  <a:schemeClr val="tx1"/>
-                </a:solidFill>
                 <a:latin typeface="Times New Roman" panose="02020603050405020304" pitchFamily="18" charset="0"/>
                 <a:cs typeface="Times New Roman" panose="02020603050405020304" pitchFamily="18" charset="0"/>
               </a:rPr>
-              <a:t>are often required to fill out the same information </a:t>
+              <a:t>is an XML-based protocol for information exchange in decentralized and distributed environments.</a:t>
             </a:r>
+          </a:p>
+          <a:p>
             <a:r>
-              <a:rPr lang="en-GB" sz="2800" dirty="0" smtClean="0">
-                <a:solidFill>
-                  <a:schemeClr val="tx1"/>
-                </a:solidFill>
+              <a:rPr lang="en-GB" sz="2800" dirty="0">
                 <a:latin typeface="Times New Roman" panose="02020603050405020304" pitchFamily="18" charset="0"/>
                 <a:cs typeface="Times New Roman" panose="02020603050405020304" pitchFamily="18" charset="0"/>
               </a:rPr>
-              <a:t>repeatedly.</a:t>
+              <a:t>WSDL definitions describe how to access a web service and what operations it will perform.</a:t>
+            </a:r>
+          </a:p>
+          <a:p>
+            <a:r>
+              <a:rPr lang="en-GB" sz="2800" dirty="0">
+                <a:latin typeface="Times New Roman" panose="02020603050405020304" pitchFamily="18" charset="0"/>
+                <a:cs typeface="Times New Roman" panose="02020603050405020304" pitchFamily="18" charset="0"/>
+              </a:rPr>
+              <a:t>WSDL is a language for describing how to interface with XML-based services.</a:t>
             </a:r>
           </a:p>
           <a:p>
@@ -7778,36 +7215,24 @@
               <a:buFont typeface="Wingdings" panose="05000000000000000000" pitchFamily="2" charset="2"/>
               <a:buChar char="v"/>
             </a:pPr>
-            <a:r>
-              <a:rPr lang="en-US" sz="2800" dirty="0" smtClean="0">
-                <a:solidFill>
-                  <a:schemeClr val="tx1"/>
-                </a:solidFill>
-                <a:latin typeface="Times New Roman" panose="02020603050405020304" pitchFamily="18" charset="0"/>
-                <a:cs typeface="Times New Roman" panose="02020603050405020304" pitchFamily="18" charset="0"/>
-              </a:rPr>
-              <a:t>Improper </a:t>
-            </a:r>
-            <a:r>
-              <a:rPr lang="en-US" sz="2800" dirty="0">
-                <a:solidFill>
-                  <a:schemeClr val="tx1"/>
-                </a:solidFill>
-                <a:latin typeface="Times New Roman" panose="02020603050405020304" pitchFamily="18" charset="0"/>
-                <a:cs typeface="Times New Roman" panose="02020603050405020304" pitchFamily="18" charset="0"/>
-              </a:rPr>
-              <a:t>categorization of patient records can lead to </a:t>
-            </a:r>
-            <a:r>
-              <a:rPr lang="en-US" sz="2800" dirty="0" smtClean="0">
-                <a:solidFill>
-                  <a:schemeClr val="tx1"/>
-                </a:solidFill>
-                <a:latin typeface="Times New Roman" panose="02020603050405020304" pitchFamily="18" charset="0"/>
-                <a:cs typeface="Times New Roman" panose="02020603050405020304" pitchFamily="18" charset="0"/>
-              </a:rPr>
-              <a:t>difficulties.</a:t>
-            </a:r>
+            <a:endParaRPr lang="en-GB" sz="2800" dirty="0" smtClean="0">
+              <a:solidFill>
+                <a:schemeClr val="tx1"/>
+              </a:solidFill>
+              <a:latin typeface="Times New Roman" panose="02020603050405020304" pitchFamily="18" charset="0"/>
+              <a:cs typeface="Times New Roman" panose="02020603050405020304" pitchFamily="18" charset="0"/>
+            </a:endParaRPr>
+          </a:p>
+          <a:p>
+            <a:pPr marL="114300" indent="0">
+              <a:lnSpc>
+                <a:spcPct val="100000"/>
+              </a:lnSpc>
+              <a:buClr>
+                <a:schemeClr val="lt1"/>
+              </a:buClr>
+              <a:buNone/>
+            </a:pPr>
             <a:endParaRPr lang="en-GB" sz="3200" dirty="0">
               <a:solidFill>
                 <a:schemeClr val="tx1"/>
@@ -8072,7 +7497,7 @@
         <p:spPr>
           <a:xfrm>
             <a:off x="638884" y="318644"/>
-            <a:ext cx="2795692" cy="1086679"/>
+            <a:ext cx="5462916" cy="1086679"/>
           </a:xfrm>
           <a:prstGeom prst="rect">
             <a:avLst/>
@@ -8094,14 +7519,14 @@
               <a:buNone/>
             </a:pPr>
             <a:r>
-              <a:rPr lang="en" sz="3200" dirty="0">
+              <a:rPr lang="en" sz="3200" dirty="0" smtClean="0">
                 <a:solidFill>
                   <a:schemeClr val="tx1"/>
                 </a:solidFill>
                 <a:latin typeface="Times New Roman" panose="02020603050405020304" pitchFamily="18" charset="0"/>
                 <a:cs typeface="Times New Roman" panose="02020603050405020304" pitchFamily="18" charset="0"/>
               </a:rPr>
-              <a:t>OBJECTIVES</a:t>
+              <a:t>Structure of a WSDL Document</a:t>
             </a:r>
             <a:endParaRPr sz="3200" dirty="0">
               <a:solidFill>
@@ -8239,7 +7664,7 @@
         <p:spPr>
           <a:xfrm>
             <a:off x="478971" y="1560286"/>
-            <a:ext cx="7409543" cy="2246769"/>
+            <a:ext cx="5471556" cy="3416320"/>
           </a:xfrm>
           <a:prstGeom prst="rect">
             <a:avLst/>
@@ -8258,8 +7683,8 @@
               <a:buChar char="v"/>
             </a:pPr>
             <a:r>
-              <a:rPr lang="en-GB" sz="2800" dirty="0" smtClean="0"/>
-              <a:t>Customize and deploy an integrated system of management of doctor  and patient record.</a:t>
+              <a:rPr lang="en-GB" sz="2400" dirty="0" smtClean="0"/>
+              <a:t>The WSDL file contains the location of the web service.</a:t>
             </a:r>
           </a:p>
           <a:p>
@@ -8269,13 +7694,64 @@
               <a:buChar char="v"/>
             </a:pPr>
             <a:r>
-              <a:rPr lang="en-GB" sz="2800" dirty="0" smtClean="0"/>
-              <a:t>To design, develop a system for doctor appointment. </a:t>
+              <a:rPr lang="en-GB" sz="2400" dirty="0" smtClean="0"/>
+              <a:t>The methods which are exposed by the web service.</a:t>
             </a:r>
-            <a:endParaRPr lang="en-GB" sz="2800" dirty="0"/>
+          </a:p>
+          <a:p>
+            <a:pPr marL="457200" indent="-457200">
+              <a:buSzPct val="100000"/>
+              <a:buFont typeface="Wingdings" panose="05000000000000000000" pitchFamily="2" charset="2"/>
+              <a:buChar char="v"/>
+            </a:pPr>
+            <a:r>
+              <a:rPr lang="en-GB" sz="2400" dirty="0" smtClean="0"/>
+              <a:t>The WSDL is very complex to any user, but it contains all the necessary information that any client application would require to use the relevant web service.</a:t>
+            </a:r>
           </a:p>
         </p:txBody>
       </p:sp>
+      <p:pic>
+        <p:nvPicPr>
+          <p:cNvPr id="2050" name="Picture 2" descr="WSDL Tutorial: Web Services Description Language with Example"/>
+          <p:cNvPicPr>
+            <a:picLocks noChangeAspect="1" noChangeArrowheads="1"/>
+          </p:cNvPicPr>
+          <p:nvPr/>
+        </p:nvPicPr>
+        <p:blipFill>
+          <a:blip r:embed="rId3">
+            <a:extLst>
+              <a:ext uri="{28A0092B-C50C-407E-A947-70E740481C1C}">
+                <a14:useLocalDpi xmlns:a14="http://schemas.microsoft.com/office/drawing/2010/main" val="0"/>
+              </a:ext>
+            </a:extLst>
+          </a:blip>
+          <a:srcRect/>
+          <a:stretch>
+            <a:fillRect/>
+          </a:stretch>
+        </p:blipFill>
+        <p:spPr bwMode="auto">
+          <a:xfrm>
+            <a:off x="6026163" y="318644"/>
+            <a:ext cx="2933700" cy="4346864"/>
+          </a:xfrm>
+          <a:prstGeom prst="rect">
+            <a:avLst/>
+          </a:prstGeom>
+          <a:noFill/>
+          <a:extLst>
+            <a:ext uri="{909E8E84-426E-40DD-AFC4-6F175D3DCCD1}">
+              <a14:hiddenFill xmlns:a14="http://schemas.microsoft.com/office/drawing/2010/main">
+                <a:solidFill>
+                  <a:srgbClr val="FFFFFF"/>
+                </a:solidFill>
+              </a14:hiddenFill>
+            </a:ext>
+          </a:extLst>
+        </p:spPr>
+      </p:pic>
     </p:spTree>
     <p:extLst>
       <p:ext uri="{BB962C8B-B14F-4D97-AF65-F5344CB8AC3E}">
@@ -8348,11 +7824,11 @@
               <a:buNone/>
             </a:pPr>
             <a:r>
-              <a:rPr lang="en" sz="3200" dirty="0">
+              <a:rPr lang="en" sz="3200" dirty="0" smtClean="0">
                 <a:latin typeface="Times New Roman" panose="02020603050405020304" pitchFamily="18" charset="0"/>
                 <a:cs typeface="Times New Roman" panose="02020603050405020304" pitchFamily="18" charset="0"/>
               </a:rPr>
-              <a:t>Methodology</a:t>
+              <a:t>WSDL Elements</a:t>
             </a:r>
             <a:endParaRPr sz="3200" dirty="0">
               <a:latin typeface="Times New Roman" panose="02020603050405020304" pitchFamily="18" charset="0"/>
@@ -8396,44 +7872,16 @@
           </a:p>
         </p:txBody>
       </p:sp>
-      <p:pic>
-        <p:nvPicPr>
-          <p:cNvPr id="7" name="Picture 6"/>
-          <p:cNvPicPr/>
-          <p:nvPr/>
-        </p:nvPicPr>
-        <p:blipFill>
-          <a:blip r:embed="rId3">
-            <a:extLst>
-              <a:ext uri="{28A0092B-C50C-407E-A947-70E740481C1C}">
-                <a14:useLocalDpi xmlns:a14="http://schemas.microsoft.com/office/drawing/2010/main" val="0"/>
-              </a:ext>
-            </a:extLst>
-          </a:blip>
-          <a:stretch>
-            <a:fillRect/>
-          </a:stretch>
-        </p:blipFill>
-        <p:spPr>
-          <a:xfrm>
-            <a:off x="625300" y="968751"/>
-            <a:ext cx="7299499" cy="3406775"/>
-          </a:xfrm>
-          <a:prstGeom prst="rect">
-            <a:avLst/>
-          </a:prstGeom>
-        </p:spPr>
-      </p:pic>
       <p:sp>
         <p:nvSpPr>
-          <p:cNvPr id="2" name="TextBox 1"/>
+          <p:cNvPr id="3" name="TextBox 2"/>
           <p:cNvSpPr txBox="1"/>
           <p:nvPr/>
         </p:nvSpPr>
         <p:spPr>
           <a:xfrm>
-            <a:off x="3164114" y="4472753"/>
-            <a:ext cx="2743200" cy="307777"/>
+            <a:off x="756745" y="1023513"/>
+            <a:ext cx="7572555" cy="3785652"/>
           </a:xfrm>
           <a:prstGeom prst="rect">
             <a:avLst/>
@@ -8446,14 +7894,70 @@
           </a:bodyPr>
           <a:lstStyle/>
           <a:p>
+            <a:pPr marL="285750" indent="-285750">
+              <a:buFont typeface="Arial" panose="020B0604020202020204" pitchFamily="34" charset="0"/>
+              <a:buChar char="•"/>
+            </a:pPr>
             <a:r>
-              <a:rPr lang="en-GB" b="1" dirty="0" smtClean="0">
+              <a:rPr lang="en-GB" sz="2400" dirty="0" smtClean="0">
                 <a:latin typeface="Times New Roman" panose="02020603050405020304" pitchFamily="18" charset="0"/>
                 <a:cs typeface="Times New Roman" panose="02020603050405020304" pitchFamily="18" charset="0"/>
               </a:rPr>
-              <a:t>Fig: Iterative Model of MyMed</a:t>
+              <a:t>Definition– Contains the definition of one or more services.</a:t>
             </a:r>
-            <a:endParaRPr lang="en-GB" b="1" dirty="0">
+          </a:p>
+          <a:p>
+            <a:pPr marL="285750" indent="-285750">
+              <a:buFont typeface="Arial" panose="020B0604020202020204" pitchFamily="34" charset="0"/>
+              <a:buChar char="•"/>
+            </a:pPr>
+            <a:r>
+              <a:rPr lang="en-GB" sz="2400" dirty="0" smtClean="0">
+                <a:latin typeface="Times New Roman" panose="02020603050405020304" pitchFamily="18" charset="0"/>
+                <a:cs typeface="Times New Roman" panose="02020603050405020304" pitchFamily="18" charset="0"/>
+              </a:rPr>
+              <a:t>Data Type- The data types to be used in the message are in the form of XML schemas.</a:t>
+            </a:r>
+          </a:p>
+          <a:p>
+            <a:pPr marL="285750" indent="-285750">
+              <a:buFont typeface="Arial" panose="020B0604020202020204" pitchFamily="34" charset="0"/>
+              <a:buChar char="•"/>
+            </a:pPr>
+            <a:r>
+              <a:rPr lang="en-GB" sz="2400" dirty="0" smtClean="0">
+                <a:latin typeface="Times New Roman" panose="02020603050405020304" pitchFamily="18" charset="0"/>
+                <a:cs typeface="Times New Roman" panose="02020603050405020304" pitchFamily="18" charset="0"/>
+              </a:rPr>
+              <a:t>Message- An abstract definition  of the data being communicated.</a:t>
+            </a:r>
+          </a:p>
+          <a:p>
+            <a:pPr marL="285750" indent="-285750">
+              <a:buFont typeface="Arial" panose="020B0604020202020204" pitchFamily="34" charset="0"/>
+              <a:buChar char="•"/>
+            </a:pPr>
+            <a:r>
+              <a:rPr lang="en-GB" sz="2400" dirty="0" smtClean="0">
+                <a:latin typeface="Times New Roman" panose="02020603050405020304" pitchFamily="18" charset="0"/>
+                <a:cs typeface="Times New Roman" panose="02020603050405020304" pitchFamily="18" charset="0"/>
+              </a:rPr>
+              <a:t>Operation- An abstract description of the action supported by the service</a:t>
+            </a:r>
+          </a:p>
+          <a:p>
+            <a:pPr marL="285750" indent="-285750">
+              <a:buFont typeface="Arial" panose="020B0604020202020204" pitchFamily="34" charset="0"/>
+              <a:buChar char="•"/>
+            </a:pPr>
+            <a:r>
+              <a:rPr lang="en-GB" sz="2400" dirty="0" smtClean="0">
+                <a:latin typeface="Times New Roman" panose="02020603050405020304" pitchFamily="18" charset="0"/>
+                <a:cs typeface="Times New Roman" panose="02020603050405020304" pitchFamily="18" charset="0"/>
+              </a:rPr>
+              <a:t>Port Type- An abstract set of operations supported by one or more endpoints.</a:t>
+            </a:r>
+            <a:endParaRPr lang="en-GB" sz="2400" dirty="0">
               <a:latin typeface="Times New Roman" panose="02020603050405020304" pitchFamily="18" charset="0"/>
               <a:cs typeface="Times New Roman" panose="02020603050405020304" pitchFamily="18" charset="0"/>
             </a:endParaRPr>
@@ -8473,13 +7977,6 @@
   <p:transition spd="slow">
     <p:fade thruBlk="1"/>
   </p:transition>
-  <p:timing>
-    <p:tnLst>
-      <p:par>
-        <p:cTn id="1" dur="indefinite" restart="never" nodeType="tmRoot"/>
-      </p:par>
-    </p:tnLst>
-  </p:timing>
 </p:sld>
 </file>
 
@@ -8502,7 +7999,7 @@
       </p:grpSpPr>
       <p:sp>
         <p:nvSpPr>
-          <p:cNvPr id="465" name="Google Shape;465;p65"/>
+          <p:cNvPr id="10" name="Google Shape;465;p65"/>
           <p:cNvSpPr txBox="1">
             <a:spLocks noGrp="1"/>
           </p:cNvSpPr>
@@ -8535,11 +8032,11 @@
               <a:buNone/>
             </a:pPr>
             <a:r>
-              <a:rPr lang="en" sz="3200" dirty="0">
+              <a:rPr lang="en" sz="3200" dirty="0" smtClean="0">
                 <a:latin typeface="Times New Roman" panose="02020603050405020304" pitchFamily="18" charset="0"/>
                 <a:cs typeface="Times New Roman" panose="02020603050405020304" pitchFamily="18" charset="0"/>
               </a:rPr>
-              <a:t>Data flow diagram</a:t>
+              <a:t>WSDL Elements</a:t>
             </a:r>
             <a:endParaRPr sz="3200" dirty="0">
               <a:latin typeface="Times New Roman" panose="02020603050405020304" pitchFamily="18" charset="0"/>
@@ -8548,42 +8045,12 @@
           </a:p>
         </p:txBody>
       </p:sp>
-      <p:pic>
-        <p:nvPicPr>
-          <p:cNvPr id="2" name="Picture 1">
+      <p:sp>
+        <p:nvSpPr>
+          <p:cNvPr id="11" name="TextBox 10">
             <a:extLst>
               <a:ext uri="{FF2B5EF4-FFF2-40B4-BE49-F238E27FC236}">
-                <a16:creationId xmlns="" xmlns:a16="http://schemas.microsoft.com/office/drawing/2014/main" id="{A4734184-BAAB-7BA5-E50C-AE1758A17B93}"/>
-              </a:ext>
-            </a:extLst>
-          </p:cNvPr>
-          <p:cNvPicPr>
-            <a:picLocks noChangeAspect="1"/>
-          </p:cNvPicPr>
-          <p:nvPr/>
-        </p:nvPicPr>
-        <p:blipFill>
-          <a:blip r:embed="rId3"/>
-          <a:stretch>
-            <a:fillRect/>
-          </a:stretch>
-        </p:blipFill>
-        <p:spPr>
-          <a:xfrm>
-            <a:off x="953514" y="871113"/>
-            <a:ext cx="7047571" cy="3804174"/>
-          </a:xfrm>
-          <a:prstGeom prst="rect">
-            <a:avLst/>
-          </a:prstGeom>
-        </p:spPr>
-      </p:pic>
-      <p:sp>
-        <p:nvSpPr>
-          <p:cNvPr id="3" name="TextBox 2">
-            <a:extLst>
-              <a:ext uri="{FF2B5EF4-FFF2-40B4-BE49-F238E27FC236}">
-                <a16:creationId xmlns="" xmlns:a16="http://schemas.microsoft.com/office/drawing/2014/main" id="{5B966419-1949-A07F-7D42-F0837FA4BE70}"/>
+                <a16:creationId xmlns="" xmlns:a16="http://schemas.microsoft.com/office/drawing/2014/main" id="{D9011143-ADED-01A1-B016-E910633735A1}"/>
               </a:ext>
             </a:extLst>
           </p:cNvPr>
@@ -8615,14 +8082,14 @@
       </p:sp>
       <p:sp>
         <p:nvSpPr>
-          <p:cNvPr id="6" name="TextBox 5"/>
+          <p:cNvPr id="12" name="TextBox 11"/>
           <p:cNvSpPr txBox="1"/>
           <p:nvPr/>
         </p:nvSpPr>
         <p:spPr>
           <a:xfrm>
-            <a:off x="3280228" y="4703586"/>
-            <a:ext cx="2743200" cy="307777"/>
+            <a:off x="756745" y="1023513"/>
+            <a:ext cx="7572555" cy="2677656"/>
           </a:xfrm>
           <a:prstGeom prst="rect">
             <a:avLst/>
@@ -8635,14 +8102,44 @@
           </a:bodyPr>
           <a:lstStyle/>
           <a:p>
+            <a:pPr marL="285750" indent="-285750">
+              <a:buFont typeface="Arial" panose="020B0604020202020204" pitchFamily="34" charset="0"/>
+              <a:buChar char="•"/>
+            </a:pPr>
             <a:r>
-              <a:rPr lang="en-GB" b="1" dirty="0" smtClean="0">
+              <a:rPr lang="en-GB" sz="2400" dirty="0" smtClean="0">
                 <a:latin typeface="Times New Roman" panose="02020603050405020304" pitchFamily="18" charset="0"/>
                 <a:cs typeface="Times New Roman" panose="02020603050405020304" pitchFamily="18" charset="0"/>
               </a:rPr>
-              <a:t>Fig: DFD of MyMed</a:t>
+              <a:t>Binding- Describes how the operations is invoked by specifying concrete protocol and data format specifications for the operations and messages.</a:t>
             </a:r>
-            <a:endParaRPr lang="en-GB" b="1" dirty="0">
+          </a:p>
+          <a:p>
+            <a:pPr marL="285750" indent="-285750">
+              <a:buFont typeface="Arial" panose="020B0604020202020204" pitchFamily="34" charset="0"/>
+              <a:buChar char="•"/>
+            </a:pPr>
+            <a:r>
+              <a:rPr lang="en-GB" sz="2400" dirty="0" smtClean="0">
+                <a:latin typeface="Times New Roman" panose="02020603050405020304" pitchFamily="18" charset="0"/>
+                <a:cs typeface="Times New Roman" panose="02020603050405020304" pitchFamily="18" charset="0"/>
+              </a:rPr>
+              <a:t>Port- Specifies a single endpoint as an address for the binding, thus defining a single communication endpoint.</a:t>
+            </a:r>
+          </a:p>
+          <a:p>
+            <a:pPr marL="285750" indent="-285750">
+              <a:buFont typeface="Arial" panose="020B0604020202020204" pitchFamily="34" charset="0"/>
+              <a:buChar char="•"/>
+            </a:pPr>
+            <a:r>
+              <a:rPr lang="en-GB" sz="2400" dirty="0" smtClean="0">
+                <a:latin typeface="Times New Roman" panose="02020603050405020304" pitchFamily="18" charset="0"/>
+                <a:cs typeface="Times New Roman" panose="02020603050405020304" pitchFamily="18" charset="0"/>
+              </a:rPr>
+              <a:t>Service- Specifies the port address of the binding. The service is a collection of network endpoint or ports</a:t>
+            </a:r>
+            <a:endParaRPr lang="en-GB" sz="2400" dirty="0">
               <a:latin typeface="Times New Roman" panose="02020603050405020304" pitchFamily="18" charset="0"/>
               <a:cs typeface="Times New Roman" panose="02020603050405020304" pitchFamily="18" charset="0"/>
             </a:endParaRPr>
@@ -8662,13 +8159,6 @@
   <p:transition spd="slow">
     <p:fade thruBlk="1"/>
   </p:transition>
-  <p:timing>
-    <p:tnLst>
-      <p:par>
-        <p:cTn id="1" dur="indefinite" restart="never" nodeType="tmRoot"/>
-      </p:par>
-    </p:tnLst>
-  </p:timing>
 </p:sld>
 </file>
 
@@ -8691,7 +8181,7 @@
       </p:grpSpPr>
       <p:sp>
         <p:nvSpPr>
-          <p:cNvPr id="465" name="Google Shape;465;p65"/>
+          <p:cNvPr id="8" name="Google Shape;465;p65"/>
           <p:cNvSpPr txBox="1">
             <a:spLocks noGrp="1"/>
           </p:cNvSpPr>
@@ -8728,7 +8218,7 @@
                 <a:latin typeface="Times New Roman" panose="02020603050405020304" pitchFamily="18" charset="0"/>
                 <a:cs typeface="Times New Roman" panose="02020603050405020304" pitchFamily="18" charset="0"/>
               </a:rPr>
-              <a:t>FLOWCHART</a:t>
+              <a:t>Why WSDL ?</a:t>
             </a:r>
             <a:endParaRPr sz="3200" dirty="0">
               <a:latin typeface="Times New Roman" panose="02020603050405020304" pitchFamily="18" charset="0"/>
@@ -8739,10 +8229,10 @@
       </p:sp>
       <p:sp>
         <p:nvSpPr>
-          <p:cNvPr id="4" name="TextBox 3">
+          <p:cNvPr id="9" name="TextBox 8">
             <a:extLst>
               <a:ext uri="{FF2B5EF4-FFF2-40B4-BE49-F238E27FC236}">
-                <a16:creationId xmlns="" xmlns:a16="http://schemas.microsoft.com/office/drawing/2014/main" id="{EE431631-E7C6-961F-2F65-E9A447D0DF37}"/>
+                <a16:creationId xmlns="" xmlns:a16="http://schemas.microsoft.com/office/drawing/2014/main" id="{D9011143-ADED-01A1-B016-E910633735A1}"/>
               </a:ext>
             </a:extLst>
           </p:cNvPr>
@@ -8774,14 +8264,14 @@
       </p:sp>
       <p:sp>
         <p:nvSpPr>
-          <p:cNvPr id="6" name="TextBox 5"/>
+          <p:cNvPr id="10" name="TextBox 9"/>
           <p:cNvSpPr txBox="1"/>
           <p:nvPr/>
         </p:nvSpPr>
         <p:spPr>
           <a:xfrm>
-            <a:off x="3403599" y="4626641"/>
-            <a:ext cx="2743200" cy="307777"/>
+            <a:off x="756745" y="1023513"/>
+            <a:ext cx="7572555" cy="2677656"/>
           </a:xfrm>
           <a:prstGeom prst="rect">
             <a:avLst/>
@@ -8794,50 +8284,50 @@
           </a:bodyPr>
           <a:lstStyle/>
           <a:p>
+            <a:pPr marL="285750" indent="-285750">
+              <a:buFont typeface="Arial" panose="020B0604020202020204" pitchFamily="34" charset="0"/>
+              <a:buChar char="•"/>
+            </a:pPr>
             <a:r>
-              <a:rPr lang="en-GB" b="1" dirty="0" smtClean="0">
+              <a:rPr lang="en-GB" sz="2400" dirty="0" smtClean="0">
                 <a:latin typeface="Times New Roman" panose="02020603050405020304" pitchFamily="18" charset="0"/>
                 <a:cs typeface="Times New Roman" panose="02020603050405020304" pitchFamily="18" charset="0"/>
               </a:rPr>
-              <a:t>Fig: Flowchart of MyMed</a:t>
+              <a:t>A web service is important component in building modern day web applications.</a:t>
             </a:r>
-            <a:endParaRPr lang="en-GB" b="1" dirty="0">
+          </a:p>
+          <a:p>
+            <a:pPr marL="285750" indent="-285750">
+              <a:buFont typeface="Arial" panose="020B0604020202020204" pitchFamily="34" charset="0"/>
+              <a:buChar char="•"/>
+            </a:pPr>
+            <a:r>
+              <a:rPr lang="en-GB" sz="2400" dirty="0" smtClean="0">
+                <a:latin typeface="Times New Roman" panose="02020603050405020304" pitchFamily="18" charset="0"/>
+                <a:cs typeface="Times New Roman" panose="02020603050405020304" pitchFamily="18" charset="0"/>
+              </a:rPr>
+              <a:t>Their main purpose is to allow multiple applications built on various programming languages to talk to each other.</a:t>
+            </a:r>
+          </a:p>
+          <a:p>
+            <a:pPr marL="285750" indent="-285750">
+              <a:buFont typeface="Arial" panose="020B0604020202020204" pitchFamily="34" charset="0"/>
+              <a:buChar char="•"/>
+            </a:pPr>
+            <a:r>
+              <a:rPr lang="en-GB" sz="2400" dirty="0" smtClean="0">
+                <a:latin typeface="Times New Roman" panose="02020603050405020304" pitchFamily="18" charset="0"/>
+                <a:cs typeface="Times New Roman" panose="02020603050405020304" pitchFamily="18" charset="0"/>
+              </a:rPr>
+              <a:t>The WSDL file is written in plain old XML. The reason that it is in XML is so that the file can be read by any programming language.</a:t>
+            </a:r>
+            <a:endParaRPr lang="en-GB" sz="2400" dirty="0">
               <a:latin typeface="Times New Roman" panose="02020603050405020304" pitchFamily="18" charset="0"/>
               <a:cs typeface="Times New Roman" panose="02020603050405020304" pitchFamily="18" charset="0"/>
             </a:endParaRPr>
           </a:p>
         </p:txBody>
       </p:sp>
-      <p:pic>
-        <p:nvPicPr>
-          <p:cNvPr id="3" name="Picture 2"/>
-          <p:cNvPicPr>
-            <a:picLocks noChangeAspect="1"/>
-          </p:cNvPicPr>
-          <p:nvPr/>
-        </p:nvPicPr>
-        <p:blipFill>
-          <a:blip r:embed="rId3">
-            <a:extLst>
-              <a:ext uri="{28A0092B-C50C-407E-A947-70E740481C1C}">
-                <a14:useLocalDpi xmlns:a14="http://schemas.microsoft.com/office/drawing/2010/main" val="0"/>
-              </a:ext>
-            </a:extLst>
-          </a:blip>
-          <a:stretch>
-            <a:fillRect/>
-          </a:stretch>
-        </p:blipFill>
-        <p:spPr>
-          <a:xfrm>
-            <a:off x="2029064" y="184355"/>
-            <a:ext cx="6591367" cy="4608872"/>
-          </a:xfrm>
-          <a:prstGeom prst="rect">
-            <a:avLst/>
-          </a:prstGeom>
-        </p:spPr>
-      </p:pic>
     </p:spTree>
     <p:extLst>
       <p:ext uri="{BB962C8B-B14F-4D97-AF65-F5344CB8AC3E}">
@@ -8851,13 +8341,6 @@
   <p:transition spd="slow">
     <p:fade thruBlk="1"/>
   </p:transition>
-  <p:timing>
-    <p:tnLst>
-      <p:par>
-        <p:cTn id="1" dur="indefinite" restart="never" nodeType="tmRoot"/>
-      </p:par>
-    </p:tnLst>
-  </p:timing>
 </p:sld>
 </file>
 
@@ -8880,7 +8363,7 @@
       </p:grpSpPr>
       <p:sp>
         <p:nvSpPr>
-          <p:cNvPr id="465" name="Google Shape;465;p65"/>
+          <p:cNvPr id="11" name="Google Shape;465;p65"/>
           <p:cNvSpPr txBox="1">
             <a:spLocks noGrp="1"/>
           </p:cNvSpPr>
@@ -8917,7 +8400,7 @@
                 <a:latin typeface="Times New Roman" panose="02020603050405020304" pitchFamily="18" charset="0"/>
                 <a:cs typeface="Times New Roman" panose="02020603050405020304" pitchFamily="18" charset="0"/>
               </a:rPr>
-              <a:t>DATABASE SCHEMA</a:t>
+              <a:t>Why WSDL ?</a:t>
             </a:r>
             <a:endParaRPr sz="3200" dirty="0">
               <a:latin typeface="Times New Roman" panose="02020603050405020304" pitchFamily="18" charset="0"/>
@@ -8928,10 +8411,10 @@
       </p:sp>
       <p:sp>
         <p:nvSpPr>
-          <p:cNvPr id="4" name="TextBox 3">
+          <p:cNvPr id="12" name="TextBox 11">
             <a:extLst>
               <a:ext uri="{FF2B5EF4-FFF2-40B4-BE49-F238E27FC236}">
-                <a16:creationId xmlns="" xmlns:a16="http://schemas.microsoft.com/office/drawing/2014/main" id="{EE431631-E7C6-961F-2F65-E9A447D0DF37}"/>
+                <a16:creationId xmlns="" xmlns:a16="http://schemas.microsoft.com/office/drawing/2014/main" id="{D9011143-ADED-01A1-B016-E910633735A1}"/>
               </a:ext>
             </a:extLst>
           </p:cNvPr>
@@ -8958,13 +8441,16 @@
               <a:rPr lang="en-GB" sz="2400" b="1" dirty="0"/>
               <a:t>7</a:t>
             </a:r>
+            <a:endParaRPr lang="en-GB" sz="2400" b="1" dirty="0"/>
           </a:p>
         </p:txBody>
       </p:sp>
       <p:pic>
         <p:nvPicPr>
-          <p:cNvPr id="6" name="Picture 5"/>
-          <p:cNvPicPr/>
+          <p:cNvPr id="3074" name="Picture 2" descr="WSDL Tutorial: Web Services Description Language with Example"/>
+          <p:cNvPicPr>
+            <a:picLocks noChangeAspect="1" noChangeArrowheads="1"/>
+          </p:cNvPicPr>
           <p:nvPr/>
         </p:nvPicPr>
         <p:blipFill>
@@ -8975,56 +8461,31 @@
               </a:ext>
             </a:extLst>
           </a:blip>
+          <a:srcRect/>
           <a:stretch>
             <a:fillRect/>
           </a:stretch>
         </p:blipFill>
-        <p:spPr>
+        <p:spPr bwMode="auto">
           <a:xfrm>
-            <a:off x="689429" y="1023513"/>
-            <a:ext cx="7402285" cy="3614210"/>
-          </a:xfrm>
-          <a:prstGeom prst="rect">
-            <a:avLst/>
-          </a:prstGeom>
-        </p:spPr>
-      </p:pic>
-      <p:sp>
-        <p:nvSpPr>
-          <p:cNvPr id="7" name="TextBox 6"/>
-          <p:cNvSpPr txBox="1"/>
-          <p:nvPr/>
-        </p:nvSpPr>
-        <p:spPr>
-          <a:xfrm>
-            <a:off x="3265714" y="4626641"/>
-            <a:ext cx="2743200" cy="307777"/>
+            <a:off x="2015906" y="1334868"/>
+            <a:ext cx="4105275" cy="3009901"/>
           </a:xfrm>
           <a:prstGeom prst="rect">
             <a:avLst/>
           </a:prstGeom>
           <a:noFill/>
+          <a:extLst>
+            <a:ext uri="{909E8E84-426E-40DD-AFC4-6F175D3DCCD1}">
+              <a14:hiddenFill xmlns:a14="http://schemas.microsoft.com/office/drawing/2010/main">
+                <a:solidFill>
+                  <a:srgbClr val="FFFFFF"/>
+                </a:solidFill>
+              </a14:hiddenFill>
+            </a:ext>
+          </a:extLst>
         </p:spPr>
-        <p:txBody>
-          <a:bodyPr wrap="square" rtlCol="0">
-            <a:spAutoFit/>
-          </a:bodyPr>
-          <a:lstStyle/>
-          <a:p>
-            <a:r>
-              <a:rPr lang="en-GB" b="1" dirty="0" smtClean="0">
-                <a:latin typeface="Times New Roman" panose="02020603050405020304" pitchFamily="18" charset="0"/>
-                <a:cs typeface="Times New Roman" panose="02020603050405020304" pitchFamily="18" charset="0"/>
-              </a:rPr>
-              <a:t>Fig: Database Schema of MyMed</a:t>
-            </a:r>
-            <a:endParaRPr lang="en-GB" b="1" dirty="0">
-              <a:latin typeface="Times New Roman" panose="02020603050405020304" pitchFamily="18" charset="0"/>
-              <a:cs typeface="Times New Roman" panose="02020603050405020304" pitchFamily="18" charset="0"/>
-            </a:endParaRPr>
-          </a:p>
-        </p:txBody>
-      </p:sp>
+      </p:pic>
     </p:spTree>
     <p:extLst>
       <p:ext uri="{BB962C8B-B14F-4D97-AF65-F5344CB8AC3E}">
@@ -9038,13 +8499,6 @@
   <p:transition spd="slow">
     <p:fade thruBlk="1"/>
   </p:transition>
-  <p:timing>
-    <p:tnLst>
-      <p:par>
-        <p:cTn id="1" dur="indefinite" restart="never" nodeType="tmRoot"/>
-      </p:par>
-    </p:tnLst>
-  </p:timing>
 </p:sld>
 </file>
 
@@ -9065,55 +8519,66 @@
           <a:chExt cx="0" cy="0"/>
         </a:xfrm>
       </p:grpSpPr>
-      <p:sp>
-        <p:nvSpPr>
-          <p:cNvPr id="465" name="Google Shape;465;p65"/>
-          <p:cNvSpPr txBox="1">
-            <a:spLocks noGrp="1"/>
-          </p:cNvSpPr>
-          <p:nvPr>
-            <p:ph type="title"/>
-          </p:nvPr>
-        </p:nvSpPr>
+      <p:pic>
+        <p:nvPicPr>
+          <p:cNvPr id="3" name="Picture 2"/>
+          <p:cNvPicPr>
+            <a:picLocks noChangeAspect="1"/>
+          </p:cNvPicPr>
+          <p:nvPr/>
+        </p:nvPicPr>
+        <p:blipFill>
+          <a:blip r:embed="rId3">
+            <a:extLst>
+              <a:ext uri="{28A0092B-C50C-407E-A947-70E740481C1C}">
+                <a14:useLocalDpi xmlns:a14="http://schemas.microsoft.com/office/drawing/2010/main" val="0"/>
+              </a:ext>
+            </a:extLst>
+          </a:blip>
+          <a:stretch>
+            <a:fillRect/>
+          </a:stretch>
+        </p:blipFill>
         <p:spPr>
           <a:xfrm>
-            <a:off x="625300" y="315813"/>
-            <a:ext cx="7704000" cy="707700"/>
+            <a:off x="477982" y="277091"/>
+            <a:ext cx="8181109" cy="3851564"/>
           </a:xfrm>
           <a:prstGeom prst="rect">
             <a:avLst/>
           </a:prstGeom>
         </p:spPr>
+      </p:pic>
+      <p:sp>
+        <p:nvSpPr>
+          <p:cNvPr id="5" name="TextBox 4"/>
+          <p:cNvSpPr txBox="1"/>
+          <p:nvPr/>
+        </p:nvSpPr>
+        <p:spPr>
+          <a:xfrm>
+            <a:off x="623454" y="4204854"/>
+            <a:ext cx="8035637" cy="707886"/>
+          </a:xfrm>
+          <a:prstGeom prst="rect">
+            <a:avLst/>
+          </a:prstGeom>
+          <a:noFill/>
+        </p:spPr>
         <p:txBody>
-          <a:bodyPr spcFirstLastPara="1" wrap="square" lIns="91425" tIns="91425" rIns="91425" bIns="91425" anchor="t" anchorCtr="0">
-            <a:noAutofit/>
+          <a:bodyPr wrap="square" rtlCol="0">
+            <a:spAutoFit/>
           </a:bodyPr>
           <a:lstStyle/>
           <a:p>
-            <a:pPr marL="0" lvl="0" indent="0" algn="l" rtl="0">
-              <a:spcBef>
-                <a:spcPts val="0"/>
-              </a:spcBef>
-              <a:spcAft>
-                <a:spcPts val="0"/>
-              </a:spcAft>
-              <a:buNone/>
-            </a:pPr>
             <a:r>
-              <a:rPr lang="en-GB" sz="3200" dirty="0">
+              <a:rPr lang="en-GB" sz="2000" dirty="0" smtClean="0">
                 <a:latin typeface="Times New Roman" panose="02020603050405020304" pitchFamily="18" charset="0"/>
                 <a:cs typeface="Times New Roman" panose="02020603050405020304" pitchFamily="18" charset="0"/>
               </a:rPr>
-              <a:t>G</a:t>
+              <a:t>The message element defines the parts of each message and the associated data types.</a:t>
             </a:r>
-            <a:r>
-              <a:rPr lang="en" sz="3200" dirty="0">
-                <a:latin typeface="Times New Roman" panose="02020603050405020304" pitchFamily="18" charset="0"/>
-                <a:cs typeface="Times New Roman" panose="02020603050405020304" pitchFamily="18" charset="0"/>
-              </a:rPr>
-              <a:t>antt chart</a:t>
-            </a:r>
-            <a:endParaRPr sz="3200" dirty="0">
+            <a:endParaRPr lang="en-GB" sz="2000" dirty="0">
               <a:latin typeface="Times New Roman" panose="02020603050405020304" pitchFamily="18" charset="0"/>
               <a:cs typeface="Times New Roman" panose="02020603050405020304" pitchFamily="18" charset="0"/>
             </a:endParaRPr>
@@ -9122,10 +8587,10 @@
       </p:sp>
       <p:sp>
         <p:nvSpPr>
-          <p:cNvPr id="4" name="TextBox 3">
+          <p:cNvPr id="9" name="TextBox 8">
             <a:extLst>
               <a:ext uri="{FF2B5EF4-FFF2-40B4-BE49-F238E27FC236}">
-                <a16:creationId xmlns="" xmlns:a16="http://schemas.microsoft.com/office/drawing/2014/main" id="{4B907848-1036-27C8-FAFA-CB9EAE90DE4B}"/>
+                <a16:creationId xmlns="" xmlns:a16="http://schemas.microsoft.com/office/drawing/2014/main" id="{D9011143-ADED-01A1-B016-E910633735A1}"/>
               </a:ext>
             </a:extLst>
           </p:cNvPr>
@@ -9150,75 +8615,8 @@
           <a:p>
             <a:r>
               <a:rPr lang="en-GB" sz="2400" b="1" dirty="0"/>
-              <a:t>7</a:t>
+              <a:t>8</a:t>
             </a:r>
-          </a:p>
-        </p:txBody>
-      </p:sp>
-      <p:pic>
-        <p:nvPicPr>
-          <p:cNvPr id="6" name="Graphic 1"/>
-          <p:cNvPicPr/>
-          <p:nvPr/>
-        </p:nvPicPr>
-        <p:blipFill>
-          <a:blip r:embed="rId3" cstate="print">
-            <a:extLst>
-              <a:ext uri="{28A0092B-C50C-407E-A947-70E740481C1C}">
-                <a14:useLocalDpi xmlns:a14="http://schemas.microsoft.com/office/drawing/2010/main" val="0"/>
-              </a:ext>
-              <a:ext uri="{96DAC541-7B7A-43D3-8B79-37D633B846F1}">
-                <asvg:svgBlip xmlns:lc="http://schemas.openxmlformats.org/drawingml/2006/lockedCanvas" xmlns="" xmlns:cx="http://schemas.microsoft.com/office/drawing/2014/chartex" xmlns:cx1="http://schemas.microsoft.com/office/drawing/2015/9/8/chartex" xmlns:cx2="http://schemas.microsoft.com/office/drawing/2015/10/21/chartex" xmlns:cx3="http://schemas.microsoft.com/office/drawing/2016/5/9/chartex" xmlns:cx4="http://schemas.microsoft.com/office/drawing/2016/5/10/chartex" xmlns:cx5="http://schemas.microsoft.com/office/drawing/2016/5/11/chartex" xmlns:cx6="http://schemas.microsoft.com/office/drawing/2016/5/12/chartex" xmlns:cx7="http://schemas.microsoft.com/office/drawing/2016/5/13/chartex" xmlns:cx8="http://schemas.microsoft.com/office/drawing/2016/5/14/chartex" xmlns:aink="http://schemas.microsoft.com/office/drawing/2016/ink" xmlns:am3d="http://schemas.microsoft.com/office/drawing/2017/model3d" xmlns:o="urn:schemas-microsoft-com:office:office" xmlns:oel="http://schemas.microsoft.com/office/2019/extlst" xmlns:v="urn:schemas-microsoft-com:vml" xmlns:w10="urn:schemas-microsoft-com:office:word" xmlns:w="http://schemas.openxmlformats.org/wordprocessingml/2006/main" xmlns:w16cex="http://schemas.microsoft.com/office/word/2018/wordml/cex" xmlns:w16cid="http://schemas.microsoft.com/office/word/2016/wordml/cid" xmlns:w16="http://schemas.microsoft.com/office/word/2018/wordml" xmlns:w16du="http://schemas.microsoft.com/office/word/2023/wordml/word16du" xmlns:w16sdtdh="http://schemas.microsoft.com/office/word/2020/wordml/sdtdatahash" xmlns:w16se="http://schemas.microsoft.com/office/word/2015/wordml/symex" xmlns:asvg="http://schemas.microsoft.com/office/drawing/2016/SVG/main" xmlns:pic="http://schemas.openxmlformats.org/drawingml/2006/picture" xmlns:wps="http://schemas.microsoft.com/office/word/2010/wordprocessingShape" xmlns:wne="http://schemas.microsoft.com/office/word/2006/wordml" xmlns:wpi="http://schemas.microsoft.com/office/word/2010/wordprocessingInk" xmlns:wpg="http://schemas.microsoft.com/office/word/2010/wordprocessingGroup" xmlns:w15="http://schemas.microsoft.com/office/word/2012/wordml" xmlns:w14="http://schemas.microsoft.com/office/word/2010/wordml" xmlns:wp="http://schemas.openxmlformats.org/drawingml/2006/wordprocessingDrawing" xmlns:wp14="http://schemas.microsoft.com/office/word/2010/wordprocessingDrawing" xmlns:m="http://schemas.openxmlformats.org/officeDocument/2006/math" xmlns:mc="http://schemas.openxmlformats.org/markup-compatibility/2006" xmlns:wpc="http://schemas.microsoft.com/office/word/2010/wordprocessingCanvas" r:embed="rId19"/>
-              </a:ext>
-            </a:extLst>
-          </a:blip>
-          <a:stretch>
-            <a:fillRect/>
-          </a:stretch>
-        </p:blipFill>
-        <p:spPr>
-          <a:xfrm>
-            <a:off x="698309" y="932671"/>
-            <a:ext cx="7952643" cy="3707869"/>
-          </a:xfrm>
-          <a:prstGeom prst="rect">
-            <a:avLst/>
-          </a:prstGeom>
-        </p:spPr>
-      </p:pic>
-      <p:sp>
-        <p:nvSpPr>
-          <p:cNvPr id="7" name="TextBox 6"/>
-          <p:cNvSpPr txBox="1"/>
-          <p:nvPr/>
-        </p:nvSpPr>
-        <p:spPr>
-          <a:xfrm>
-            <a:off x="3585028" y="4626641"/>
-            <a:ext cx="2743200" cy="307777"/>
-          </a:xfrm>
-          <a:prstGeom prst="rect">
-            <a:avLst/>
-          </a:prstGeom>
-          <a:noFill/>
-        </p:spPr>
-        <p:txBody>
-          <a:bodyPr wrap="square" rtlCol="0">
-            <a:spAutoFit/>
-          </a:bodyPr>
-          <a:lstStyle/>
-          <a:p>
-            <a:r>
-              <a:rPr lang="en-GB" b="1" dirty="0" smtClean="0">
-                <a:latin typeface="Times New Roman" panose="02020603050405020304" pitchFamily="18" charset="0"/>
-                <a:cs typeface="Times New Roman" panose="02020603050405020304" pitchFamily="18" charset="0"/>
-              </a:rPr>
-              <a:t>Fig: Gantt Chart of MyMed</a:t>
-            </a:r>
-            <a:endParaRPr lang="en-GB" b="1" dirty="0">
-              <a:latin typeface="Times New Roman" panose="02020603050405020304" pitchFamily="18" charset="0"/>
-              <a:cs typeface="Times New Roman" panose="02020603050405020304" pitchFamily="18" charset="0"/>
-            </a:endParaRPr>
           </a:p>
         </p:txBody>
       </p:sp>
@@ -9235,13 +8633,6 @@
   <p:transition spd="slow">
     <p:fade thruBlk="1"/>
   </p:transition>
-  <p:timing>
-    <p:tnLst>
-      <p:par>
-        <p:cTn id="1" dur="indefinite" restart="never" nodeType="tmRoot"/>
-      </p:par>
-    </p:tnLst>
-  </p:timing>
 </p:sld>
 </file>
 
